--- a/Phase 4/Step 17 - Install git, Jenkin, Docker in EC2 instance.pptx
+++ b/Phase 4/Step 17 - Install git, Jenkin, Docker in EC2 instance.pptx
@@ -6,13 +6,31 @@
   </p:sldMasterIdLst>
   <p:sldIdLst>
     <p:sldId id="256" r:id="rId2"/>
-    <p:sldId id="257" r:id="rId3"/>
-    <p:sldId id="261" r:id="rId4"/>
-    <p:sldId id="262" r:id="rId5"/>
-    <p:sldId id="263" r:id="rId6"/>
-    <p:sldId id="264" r:id="rId7"/>
-    <p:sldId id="265" r:id="rId8"/>
-    <p:sldId id="266" r:id="rId9"/>
+    <p:sldId id="267" r:id="rId3"/>
+    <p:sldId id="268" r:id="rId4"/>
+    <p:sldId id="269" r:id="rId5"/>
+    <p:sldId id="270" r:id="rId6"/>
+    <p:sldId id="271" r:id="rId7"/>
+    <p:sldId id="272" r:id="rId8"/>
+    <p:sldId id="273" r:id="rId9"/>
+    <p:sldId id="274" r:id="rId10"/>
+    <p:sldId id="275" r:id="rId11"/>
+    <p:sldId id="276" r:id="rId12"/>
+    <p:sldId id="277" r:id="rId13"/>
+    <p:sldId id="278" r:id="rId14"/>
+    <p:sldId id="279" r:id="rId15"/>
+    <p:sldId id="280" r:id="rId16"/>
+    <p:sldId id="281" r:id="rId17"/>
+    <p:sldId id="282" r:id="rId18"/>
+    <p:sldId id="283" r:id="rId19"/>
+    <p:sldId id="284" r:id="rId20"/>
+    <p:sldId id="285" r:id="rId21"/>
+    <p:sldId id="286" r:id="rId22"/>
+    <p:sldId id="287" r:id="rId23"/>
+    <p:sldId id="288" r:id="rId24"/>
+    <p:sldId id="289" r:id="rId25"/>
+    <p:sldId id="290" r:id="rId26"/>
+    <p:sldId id="291" r:id="rId27"/>
   </p:sldIdLst>
   <p:sldSz cx="12192000" cy="6858000"/>
   <p:notesSz cx="6858000" cy="9144000"/>
@@ -250,7 +268,7 @@
           <a:p>
             <a:fld id="{42386099-759E-47AF-B5BA-C91AC6CEC5A3}" type="datetimeFigureOut">
               <a:rPr lang="en-US" smtClean="0"/>
-              <a:t>1/5/2023</a:t>
+              <a:t>2/28/2023</a:t>
             </a:fld>
             <a:endParaRPr lang="en-US"/>
           </a:p>
@@ -420,7 +438,7 @@
           <a:p>
             <a:fld id="{42386099-759E-47AF-B5BA-C91AC6CEC5A3}" type="datetimeFigureOut">
               <a:rPr lang="en-US" smtClean="0"/>
-              <a:t>1/5/2023</a:t>
+              <a:t>2/28/2023</a:t>
             </a:fld>
             <a:endParaRPr lang="en-US"/>
           </a:p>
@@ -600,7 +618,7 @@
           <a:p>
             <a:fld id="{42386099-759E-47AF-B5BA-C91AC6CEC5A3}" type="datetimeFigureOut">
               <a:rPr lang="en-US" smtClean="0"/>
-              <a:t>1/5/2023</a:t>
+              <a:t>2/28/2023</a:t>
             </a:fld>
             <a:endParaRPr lang="en-US"/>
           </a:p>
@@ -770,7 +788,7 @@
           <a:p>
             <a:fld id="{42386099-759E-47AF-B5BA-C91AC6CEC5A3}" type="datetimeFigureOut">
               <a:rPr lang="en-US" smtClean="0"/>
-              <a:t>1/5/2023</a:t>
+              <a:t>2/28/2023</a:t>
             </a:fld>
             <a:endParaRPr lang="en-US"/>
           </a:p>
@@ -1016,7 +1034,7 @@
           <a:p>
             <a:fld id="{42386099-759E-47AF-B5BA-C91AC6CEC5A3}" type="datetimeFigureOut">
               <a:rPr lang="en-US" smtClean="0"/>
-              <a:t>1/5/2023</a:t>
+              <a:t>2/28/2023</a:t>
             </a:fld>
             <a:endParaRPr lang="en-US"/>
           </a:p>
@@ -1248,7 +1266,7 @@
           <a:p>
             <a:fld id="{42386099-759E-47AF-B5BA-C91AC6CEC5A3}" type="datetimeFigureOut">
               <a:rPr lang="en-US" smtClean="0"/>
-              <a:t>1/5/2023</a:t>
+              <a:t>2/28/2023</a:t>
             </a:fld>
             <a:endParaRPr lang="en-US"/>
           </a:p>
@@ -1615,7 +1633,7 @@
           <a:p>
             <a:fld id="{42386099-759E-47AF-B5BA-C91AC6CEC5A3}" type="datetimeFigureOut">
               <a:rPr lang="en-US" smtClean="0"/>
-              <a:t>1/5/2023</a:t>
+              <a:t>2/28/2023</a:t>
             </a:fld>
             <a:endParaRPr lang="en-US"/>
           </a:p>
@@ -1733,7 +1751,7 @@
           <a:p>
             <a:fld id="{42386099-759E-47AF-B5BA-C91AC6CEC5A3}" type="datetimeFigureOut">
               <a:rPr lang="en-US" smtClean="0"/>
-              <a:t>1/5/2023</a:t>
+              <a:t>2/28/2023</a:t>
             </a:fld>
             <a:endParaRPr lang="en-US"/>
           </a:p>
@@ -1828,7 +1846,7 @@
           <a:p>
             <a:fld id="{42386099-759E-47AF-B5BA-C91AC6CEC5A3}" type="datetimeFigureOut">
               <a:rPr lang="en-US" smtClean="0"/>
-              <a:t>1/5/2023</a:t>
+              <a:t>2/28/2023</a:t>
             </a:fld>
             <a:endParaRPr lang="en-US"/>
           </a:p>
@@ -2105,7 +2123,7 @@
           <a:p>
             <a:fld id="{42386099-759E-47AF-B5BA-C91AC6CEC5A3}" type="datetimeFigureOut">
               <a:rPr lang="en-US" smtClean="0"/>
-              <a:t>1/5/2023</a:t>
+              <a:t>2/28/2023</a:t>
             </a:fld>
             <a:endParaRPr lang="en-US"/>
           </a:p>
@@ -2358,7 +2376,7 @@
           <a:p>
             <a:fld id="{42386099-759E-47AF-B5BA-C91AC6CEC5A3}" type="datetimeFigureOut">
               <a:rPr lang="en-US" smtClean="0"/>
-              <a:t>1/5/2023</a:t>
+              <a:t>2/28/2023</a:t>
             </a:fld>
             <a:endParaRPr lang="en-US"/>
           </a:p>
@@ -2571,7 +2589,7 @@
           <a:p>
             <a:fld id="{42386099-759E-47AF-B5BA-C91AC6CEC5A3}" type="datetimeFigureOut">
               <a:rPr lang="en-US" smtClean="0"/>
-              <a:t>1/5/2023</a:t>
+              <a:t>2/28/2023</a:t>
             </a:fld>
             <a:endParaRPr lang="en-US"/>
           </a:p>
@@ -2992,20 +3010,16 @@
           <a:lstStyle/>
           <a:p>
             <a:r>
-              <a:rPr lang="en-US" dirty="0" smtClean="0"/>
-              <a:t>Node JS</a:t>
-            </a:r>
-            <a:r>
-              <a:rPr lang="en-US" dirty="0" smtClean="0"/>
-              <a:t> </a:t>
-            </a:r>
-            <a:r>
-              <a:rPr lang="en-US" dirty="0" smtClean="0"/>
-              <a:t>– Step </a:t>
-            </a:r>
-            <a:r>
-              <a:rPr lang="en-US" dirty="0" smtClean="0"/>
-              <a:t>7</a:t>
+              <a:rPr lang="en-US" dirty="0"/>
+              <a:t>Step 17 - Install </a:t>
+            </a:r>
+            <a:r>
+              <a:rPr lang="en-US" dirty="0" err="1"/>
+              <a:t>git</a:t>
+            </a:r>
+            <a:r>
+              <a:rPr lang="en-US" dirty="0"/>
+              <a:t>, Jenkin, Docker in EC2 instance</a:t>
             </a:r>
             <a:endParaRPr lang="en-US" dirty="0"/>
           </a:p>
@@ -3034,6 +3048,1225 @@
     <p:extLst>
       <p:ext uri="{BB962C8B-B14F-4D97-AF65-F5344CB8AC3E}">
         <p14:creationId xmlns:p14="http://schemas.microsoft.com/office/powerpoint/2010/main" val="2987650646"/>
+      </p:ext>
+    </p:extLst>
+  </p:cSld>
+  <p:clrMapOvr>
+    <a:masterClrMapping/>
+  </p:clrMapOvr>
+</p:sld>
+</file>
+
+<file path=ppt/slides/slide10.xml><?xml version="1.0" encoding="utf-8"?>
+<p:sld xmlns:a="http://schemas.openxmlformats.org/drawingml/2006/main" xmlns:r="http://schemas.openxmlformats.org/officeDocument/2006/relationships" xmlns:p="http://schemas.openxmlformats.org/presentationml/2006/main">
+  <p:cSld>
+    <p:spTree>
+      <p:nvGrpSpPr>
+        <p:cNvPr id="1" name=""/>
+        <p:cNvGrpSpPr/>
+        <p:nvPr/>
+      </p:nvGrpSpPr>
+      <p:grpSpPr>
+        <a:xfrm>
+          <a:off x="0" y="0"/>
+          <a:ext cx="0" cy="0"/>
+          <a:chOff x="0" y="0"/>
+          <a:chExt cx="0" cy="0"/>
+        </a:xfrm>
+      </p:grpSpPr>
+      <p:sp>
+        <p:nvSpPr>
+          <p:cNvPr id="2" name="Title 1"/>
+          <p:cNvSpPr>
+            <a:spLocks noGrp="1"/>
+          </p:cNvSpPr>
+          <p:nvPr>
+            <p:ph type="title"/>
+          </p:nvPr>
+        </p:nvSpPr>
+        <p:spPr/>
+        <p:txBody>
+          <a:bodyPr/>
+          <a:lstStyle/>
+          <a:p>
+            <a:r>
+              <a:rPr lang="en-US" dirty="0" smtClean="0"/>
+              <a:t>Now we will install Jenkin CI and CD tool in EC2 instance </a:t>
+            </a:r>
+            <a:endParaRPr lang="en-US" dirty="0"/>
+          </a:p>
+        </p:txBody>
+      </p:sp>
+      <p:sp>
+        <p:nvSpPr>
+          <p:cNvPr id="3" name="Content Placeholder 2"/>
+          <p:cNvSpPr>
+            <a:spLocks noGrp="1"/>
+          </p:cNvSpPr>
+          <p:nvPr>
+            <p:ph idx="1"/>
+          </p:nvPr>
+        </p:nvSpPr>
+        <p:spPr/>
+        <p:txBody>
+          <a:bodyPr/>
+          <a:lstStyle/>
+          <a:p>
+            <a:r>
+              <a:rPr lang="en-US" dirty="0" smtClean="0"/>
+              <a:t>Before Jenkin installation we need to install Java 11 because Jenkin is base upon the Java 11. </a:t>
+            </a:r>
+          </a:p>
+          <a:p>
+            <a:r>
+              <a:rPr lang="en-US" dirty="0" err="1"/>
+              <a:t>sudo</a:t>
+            </a:r>
+            <a:r>
+              <a:rPr lang="en-US" dirty="0"/>
+              <a:t> amazon-</a:t>
+            </a:r>
+            <a:r>
+              <a:rPr lang="en-US" dirty="0" err="1"/>
+              <a:t>linux</a:t>
+            </a:r>
+            <a:r>
+              <a:rPr lang="en-US" dirty="0"/>
+              <a:t>-extras install </a:t>
+            </a:r>
+            <a:r>
+              <a:rPr lang="en-US" dirty="0" smtClean="0"/>
+              <a:t>java-openjdk11</a:t>
+            </a:r>
+          </a:p>
+          <a:p>
+            <a:pPr lvl="1"/>
+            <a:r>
+              <a:rPr lang="en-US" dirty="0" smtClean="0"/>
+              <a:t>It will ask you y/n :please enter y </a:t>
+            </a:r>
+          </a:p>
+          <a:p>
+            <a:r>
+              <a:rPr lang="en-US" dirty="0"/>
+              <a:t>j</a:t>
+            </a:r>
+            <a:r>
+              <a:rPr lang="en-US" dirty="0" smtClean="0"/>
+              <a:t>ava --version </a:t>
+            </a:r>
+            <a:endParaRPr lang="en-US" dirty="0"/>
+          </a:p>
+        </p:txBody>
+      </p:sp>
+    </p:spTree>
+    <p:extLst>
+      <p:ext uri="{BB962C8B-B14F-4D97-AF65-F5344CB8AC3E}">
+        <p14:creationId xmlns:p14="http://schemas.microsoft.com/office/powerpoint/2010/main" val="486353734"/>
+      </p:ext>
+    </p:extLst>
+  </p:cSld>
+  <p:clrMapOvr>
+    <a:masterClrMapping/>
+  </p:clrMapOvr>
+</p:sld>
+</file>
+
+<file path=ppt/slides/slide11.xml><?xml version="1.0" encoding="utf-8"?>
+<p:sld xmlns:a="http://schemas.openxmlformats.org/drawingml/2006/main" xmlns:r="http://schemas.openxmlformats.org/officeDocument/2006/relationships" xmlns:p="http://schemas.openxmlformats.org/presentationml/2006/main">
+  <p:cSld>
+    <p:spTree>
+      <p:nvGrpSpPr>
+        <p:cNvPr id="1" name=""/>
+        <p:cNvGrpSpPr/>
+        <p:nvPr/>
+      </p:nvGrpSpPr>
+      <p:grpSpPr>
+        <a:xfrm>
+          <a:off x="0" y="0"/>
+          <a:ext cx="0" cy="0"/>
+          <a:chOff x="0" y="0"/>
+          <a:chExt cx="0" cy="0"/>
+        </a:xfrm>
+      </p:grpSpPr>
+      <p:pic>
+        <p:nvPicPr>
+          <p:cNvPr id="3" name="Picture 2"/>
+          <p:cNvPicPr>
+            <a:picLocks noChangeAspect="1"/>
+          </p:cNvPicPr>
+          <p:nvPr/>
+        </p:nvPicPr>
+        <p:blipFill>
+          <a:blip r:embed="rId2"/>
+          <a:stretch>
+            <a:fillRect/>
+          </a:stretch>
+        </p:blipFill>
+        <p:spPr>
+          <a:xfrm>
+            <a:off x="130811" y="0"/>
+            <a:ext cx="10600339" cy="2955636"/>
+          </a:xfrm>
+          <a:prstGeom prst="rect">
+            <a:avLst/>
+          </a:prstGeom>
+        </p:spPr>
+      </p:pic>
+      <p:pic>
+        <p:nvPicPr>
+          <p:cNvPr id="4" name="Picture 3"/>
+          <p:cNvPicPr>
+            <a:picLocks noChangeAspect="1"/>
+          </p:cNvPicPr>
+          <p:nvPr/>
+        </p:nvPicPr>
+        <p:blipFill>
+          <a:blip r:embed="rId3"/>
+          <a:stretch>
+            <a:fillRect/>
+          </a:stretch>
+        </p:blipFill>
+        <p:spPr>
+          <a:xfrm>
+            <a:off x="130811" y="4589388"/>
+            <a:ext cx="11165262" cy="1078204"/>
+          </a:xfrm>
+          <a:prstGeom prst="rect">
+            <a:avLst/>
+          </a:prstGeom>
+        </p:spPr>
+      </p:pic>
+    </p:spTree>
+    <p:extLst>
+      <p:ext uri="{BB962C8B-B14F-4D97-AF65-F5344CB8AC3E}">
+        <p14:creationId xmlns:p14="http://schemas.microsoft.com/office/powerpoint/2010/main" val="2761548353"/>
+      </p:ext>
+    </p:extLst>
+  </p:cSld>
+  <p:clrMapOvr>
+    <a:masterClrMapping/>
+  </p:clrMapOvr>
+</p:sld>
+</file>
+
+<file path=ppt/slides/slide12.xml><?xml version="1.0" encoding="utf-8"?>
+<p:sld xmlns:a="http://schemas.openxmlformats.org/drawingml/2006/main" xmlns:r="http://schemas.openxmlformats.org/officeDocument/2006/relationships" xmlns:p="http://schemas.openxmlformats.org/presentationml/2006/main">
+  <p:cSld>
+    <p:spTree>
+      <p:nvGrpSpPr>
+        <p:cNvPr id="1" name=""/>
+        <p:cNvGrpSpPr/>
+        <p:nvPr/>
+      </p:nvGrpSpPr>
+      <p:grpSpPr>
+        <a:xfrm>
+          <a:off x="0" y="0"/>
+          <a:ext cx="0" cy="0"/>
+          <a:chOff x="0" y="0"/>
+          <a:chExt cx="0" cy="0"/>
+        </a:xfrm>
+      </p:grpSpPr>
+      <p:sp>
+        <p:nvSpPr>
+          <p:cNvPr id="2" name="Title 1"/>
+          <p:cNvSpPr>
+            <a:spLocks noGrp="1"/>
+          </p:cNvSpPr>
+          <p:nvPr>
+            <p:ph type="title"/>
+          </p:nvPr>
+        </p:nvSpPr>
+        <p:spPr/>
+        <p:txBody>
+          <a:bodyPr/>
+          <a:lstStyle/>
+          <a:p>
+            <a:r>
+              <a:rPr lang="en-US" dirty="0" smtClean="0"/>
+              <a:t>Now we will install </a:t>
+            </a:r>
+            <a:r>
+              <a:rPr lang="en-US" dirty="0" err="1" smtClean="0"/>
+              <a:t>jenkin</a:t>
+            </a:r>
+            <a:r>
+              <a:rPr lang="en-US" dirty="0" smtClean="0"/>
+              <a:t> </a:t>
+            </a:r>
+            <a:endParaRPr lang="en-US" dirty="0"/>
+          </a:p>
+        </p:txBody>
+      </p:sp>
+      <p:sp>
+        <p:nvSpPr>
+          <p:cNvPr id="3" name="Content Placeholder 2"/>
+          <p:cNvSpPr>
+            <a:spLocks noGrp="1"/>
+          </p:cNvSpPr>
+          <p:nvPr>
+            <p:ph idx="1"/>
+          </p:nvPr>
+        </p:nvSpPr>
+        <p:spPr/>
+        <p:txBody>
+          <a:bodyPr>
+            <a:normAutofit fontScale="92500" lnSpcReduction="10000"/>
+          </a:bodyPr>
+          <a:lstStyle/>
+          <a:p>
+            <a:r>
+              <a:rPr lang="es-ES" dirty="0" err="1" smtClean="0"/>
+              <a:t>Pull</a:t>
+            </a:r>
+            <a:r>
+              <a:rPr lang="es-ES" dirty="0"/>
+              <a:t> </a:t>
+            </a:r>
+            <a:r>
+              <a:rPr lang="es-ES" dirty="0" err="1" smtClean="0"/>
+              <a:t>jenkin</a:t>
+            </a:r>
+            <a:r>
+              <a:rPr lang="es-ES" dirty="0" smtClean="0"/>
+              <a:t> software </a:t>
+            </a:r>
+          </a:p>
+          <a:p>
+            <a:pPr lvl="1"/>
+            <a:r>
+              <a:rPr lang="es-ES" dirty="0" smtClean="0"/>
+              <a:t>sudo </a:t>
+            </a:r>
+            <a:r>
+              <a:rPr lang="es-ES" dirty="0" err="1"/>
+              <a:t>wget</a:t>
+            </a:r>
+            <a:r>
+              <a:rPr lang="es-ES" dirty="0"/>
+              <a:t> -O /</a:t>
+            </a:r>
+            <a:r>
+              <a:rPr lang="es-ES" dirty="0" err="1"/>
+              <a:t>etc</a:t>
+            </a:r>
+            <a:r>
+              <a:rPr lang="es-ES" dirty="0"/>
+              <a:t>/</a:t>
+            </a:r>
+            <a:r>
+              <a:rPr lang="es-ES" dirty="0" err="1"/>
+              <a:t>yum.repos.d</a:t>
+            </a:r>
+            <a:r>
+              <a:rPr lang="es-ES" dirty="0"/>
+              <a:t>/</a:t>
+            </a:r>
+            <a:r>
+              <a:rPr lang="es-ES" dirty="0" err="1"/>
+              <a:t>jenkins.repo</a:t>
+            </a:r>
+            <a:r>
+              <a:rPr lang="es-ES" dirty="0"/>
+              <a:t> </a:t>
+            </a:r>
+            <a:r>
+              <a:rPr lang="es-ES" dirty="0">
+                <a:hlinkClick r:id="rId2"/>
+              </a:rPr>
+              <a:t>https://</a:t>
+            </a:r>
+            <a:r>
+              <a:rPr lang="es-ES" dirty="0" smtClean="0">
+                <a:hlinkClick r:id="rId2"/>
+              </a:rPr>
+              <a:t>pkg.jenkins.io/redhat/jenkins.repo</a:t>
+            </a:r>
+            <a:endParaRPr lang="es-ES" dirty="0" smtClean="0"/>
+          </a:p>
+          <a:p>
+            <a:r>
+              <a:rPr lang="en-US" dirty="0" smtClean="0"/>
+              <a:t>Extract that software </a:t>
+            </a:r>
+          </a:p>
+          <a:p>
+            <a:pPr lvl="1"/>
+            <a:r>
+              <a:rPr lang="pt-BR" dirty="0"/>
+              <a:t>sudo rpm --import </a:t>
+            </a:r>
+            <a:r>
+              <a:rPr lang="pt-BR" dirty="0">
+                <a:hlinkClick r:id="rId3"/>
+              </a:rPr>
+              <a:t>https://</a:t>
+            </a:r>
+            <a:r>
+              <a:rPr lang="pt-BR" dirty="0" smtClean="0">
+                <a:hlinkClick r:id="rId3"/>
+              </a:rPr>
+              <a:t>pkg.jenkins.io/redhat-stable/jenkins.io.key</a:t>
+            </a:r>
+            <a:endParaRPr lang="pt-BR" dirty="0" smtClean="0"/>
+          </a:p>
+          <a:p>
+            <a:r>
+              <a:rPr lang="pt-BR" dirty="0" smtClean="0"/>
+              <a:t>Now install this software </a:t>
+            </a:r>
+          </a:p>
+          <a:p>
+            <a:pPr lvl="1"/>
+            <a:r>
+              <a:rPr lang="en-US" dirty="0" err="1"/>
+              <a:t>sudo</a:t>
+            </a:r>
+            <a:r>
+              <a:rPr lang="en-US" dirty="0"/>
+              <a:t> yum install </a:t>
+            </a:r>
+            <a:r>
+              <a:rPr lang="en-US" dirty="0" err="1"/>
+              <a:t>jenkins</a:t>
+            </a:r>
+            <a:r>
+              <a:rPr lang="en-US" dirty="0" smtClean="0"/>
+              <a:t>	(please enter y) if it ask. </a:t>
+            </a:r>
+          </a:p>
+          <a:p>
+            <a:r>
+              <a:rPr lang="en-US" dirty="0" smtClean="0"/>
+              <a:t>Then we need to start the service </a:t>
+            </a:r>
+          </a:p>
+          <a:p>
+            <a:pPr lvl="1"/>
+            <a:r>
+              <a:rPr lang="en-US" dirty="0" err="1"/>
+              <a:t>sudo</a:t>
+            </a:r>
+            <a:r>
+              <a:rPr lang="en-US" dirty="0"/>
+              <a:t> service </a:t>
+            </a:r>
+            <a:r>
+              <a:rPr lang="en-US" dirty="0" err="1"/>
+              <a:t>jenkins</a:t>
+            </a:r>
+            <a:r>
+              <a:rPr lang="en-US" dirty="0"/>
+              <a:t> </a:t>
+            </a:r>
+            <a:r>
+              <a:rPr lang="en-US" dirty="0" smtClean="0"/>
+              <a:t>start</a:t>
+            </a:r>
+          </a:p>
+          <a:p>
+            <a:r>
+              <a:rPr lang="en-US" dirty="0" smtClean="0"/>
+              <a:t>To check the service status </a:t>
+            </a:r>
+          </a:p>
+          <a:p>
+            <a:pPr lvl="1"/>
+            <a:r>
+              <a:rPr lang="en-US" dirty="0" err="1"/>
+              <a:t>sudo</a:t>
+            </a:r>
+            <a:r>
+              <a:rPr lang="en-US" dirty="0"/>
+              <a:t> </a:t>
+            </a:r>
+            <a:r>
+              <a:rPr lang="en-US" dirty="0" err="1"/>
+              <a:t>systemctl</a:t>
+            </a:r>
+            <a:r>
+              <a:rPr lang="en-US" dirty="0"/>
+              <a:t> status </a:t>
+            </a:r>
+            <a:r>
+              <a:rPr lang="en-US" dirty="0" err="1"/>
+              <a:t>jenkins</a:t>
+            </a:r>
+            <a:endParaRPr lang="en-US" dirty="0"/>
+          </a:p>
+          <a:p>
+            <a:endParaRPr lang="en-US" dirty="0" smtClean="0"/>
+          </a:p>
+          <a:p>
+            <a:endParaRPr lang="en-US" dirty="0"/>
+          </a:p>
+        </p:txBody>
+      </p:sp>
+    </p:spTree>
+    <p:extLst>
+      <p:ext uri="{BB962C8B-B14F-4D97-AF65-F5344CB8AC3E}">
+        <p14:creationId xmlns:p14="http://schemas.microsoft.com/office/powerpoint/2010/main" val="1474835364"/>
+      </p:ext>
+    </p:extLst>
+  </p:cSld>
+  <p:clrMapOvr>
+    <a:masterClrMapping/>
+  </p:clrMapOvr>
+</p:sld>
+</file>
+
+<file path=ppt/slides/slide13.xml><?xml version="1.0" encoding="utf-8"?>
+<p:sld xmlns:a="http://schemas.openxmlformats.org/drawingml/2006/main" xmlns:r="http://schemas.openxmlformats.org/officeDocument/2006/relationships" xmlns:p="http://schemas.openxmlformats.org/presentationml/2006/main">
+  <p:cSld>
+    <p:spTree>
+      <p:nvGrpSpPr>
+        <p:cNvPr id="1" name=""/>
+        <p:cNvGrpSpPr/>
+        <p:nvPr/>
+      </p:nvGrpSpPr>
+      <p:grpSpPr>
+        <a:xfrm>
+          <a:off x="0" y="0"/>
+          <a:ext cx="0" cy="0"/>
+          <a:chOff x="0" y="0"/>
+          <a:chExt cx="0" cy="0"/>
+        </a:xfrm>
+      </p:grpSpPr>
+      <p:pic>
+        <p:nvPicPr>
+          <p:cNvPr id="2" name="Picture 1"/>
+          <p:cNvPicPr>
+            <a:picLocks noChangeAspect="1"/>
+          </p:cNvPicPr>
+          <p:nvPr/>
+        </p:nvPicPr>
+        <p:blipFill>
+          <a:blip r:embed="rId2"/>
+          <a:stretch>
+            <a:fillRect/>
+          </a:stretch>
+        </p:blipFill>
+        <p:spPr>
+          <a:xfrm>
+            <a:off x="149270" y="146443"/>
+            <a:ext cx="8291278" cy="1577477"/>
+          </a:xfrm>
+          <a:prstGeom prst="rect">
+            <a:avLst/>
+          </a:prstGeom>
+        </p:spPr>
+      </p:pic>
+      <p:pic>
+        <p:nvPicPr>
+          <p:cNvPr id="3" name="Picture 2"/>
+          <p:cNvPicPr>
+            <a:picLocks noChangeAspect="1"/>
+          </p:cNvPicPr>
+          <p:nvPr/>
+        </p:nvPicPr>
+        <p:blipFill>
+          <a:blip r:embed="rId3"/>
+          <a:stretch>
+            <a:fillRect/>
+          </a:stretch>
+        </p:blipFill>
+        <p:spPr>
+          <a:xfrm>
+            <a:off x="149270" y="1800910"/>
+            <a:ext cx="8779001" cy="1501270"/>
+          </a:xfrm>
+          <a:prstGeom prst="rect">
+            <a:avLst/>
+          </a:prstGeom>
+        </p:spPr>
+      </p:pic>
+      <p:pic>
+        <p:nvPicPr>
+          <p:cNvPr id="4" name="Picture 3"/>
+          <p:cNvPicPr>
+            <a:picLocks noChangeAspect="1"/>
+          </p:cNvPicPr>
+          <p:nvPr/>
+        </p:nvPicPr>
+        <p:blipFill>
+          <a:blip r:embed="rId4"/>
+          <a:stretch>
+            <a:fillRect/>
+          </a:stretch>
+        </p:blipFill>
+        <p:spPr>
+          <a:xfrm>
+            <a:off x="2660073" y="3446263"/>
+            <a:ext cx="8632544" cy="3411737"/>
+          </a:xfrm>
+          <a:prstGeom prst="rect">
+            <a:avLst/>
+          </a:prstGeom>
+        </p:spPr>
+      </p:pic>
+    </p:spTree>
+    <p:extLst>
+      <p:ext uri="{BB962C8B-B14F-4D97-AF65-F5344CB8AC3E}">
+        <p14:creationId xmlns:p14="http://schemas.microsoft.com/office/powerpoint/2010/main" val="1925982111"/>
+      </p:ext>
+    </p:extLst>
+  </p:cSld>
+  <p:clrMapOvr>
+    <a:masterClrMapping/>
+  </p:clrMapOvr>
+</p:sld>
+</file>
+
+<file path=ppt/slides/slide14.xml><?xml version="1.0" encoding="utf-8"?>
+<p:sld xmlns:a="http://schemas.openxmlformats.org/drawingml/2006/main" xmlns:r="http://schemas.openxmlformats.org/officeDocument/2006/relationships" xmlns:p="http://schemas.openxmlformats.org/presentationml/2006/main">
+  <p:cSld>
+    <p:spTree>
+      <p:nvGrpSpPr>
+        <p:cNvPr id="1" name=""/>
+        <p:cNvGrpSpPr/>
+        <p:nvPr/>
+      </p:nvGrpSpPr>
+      <p:grpSpPr>
+        <a:xfrm>
+          <a:off x="0" y="0"/>
+          <a:ext cx="0" cy="0"/>
+          <a:chOff x="0" y="0"/>
+          <a:chExt cx="0" cy="0"/>
+        </a:xfrm>
+      </p:grpSpPr>
+      <p:sp>
+        <p:nvSpPr>
+          <p:cNvPr id="2" name="Title 1"/>
+          <p:cNvSpPr>
+            <a:spLocks noGrp="1"/>
+          </p:cNvSpPr>
+          <p:nvPr>
+            <p:ph type="title"/>
+          </p:nvPr>
+        </p:nvSpPr>
+        <p:spPr/>
+        <p:txBody>
+          <a:bodyPr/>
+          <a:lstStyle/>
+          <a:p>
+            <a:r>
+              <a:rPr lang="en-US" dirty="0" smtClean="0"/>
+              <a:t>Now we will add </a:t>
+            </a:r>
+            <a:r>
+              <a:rPr lang="en-US" dirty="0" err="1" smtClean="0"/>
+              <a:t>usermod</a:t>
+            </a:r>
+            <a:r>
+              <a:rPr lang="en-US" dirty="0" smtClean="0"/>
+              <a:t> Jenkin and </a:t>
+            </a:r>
+            <a:r>
+              <a:rPr lang="en-US" dirty="0" err="1" smtClean="0"/>
+              <a:t>docker</a:t>
+            </a:r>
+            <a:r>
+              <a:rPr lang="en-US" dirty="0" smtClean="0"/>
+              <a:t> </a:t>
+            </a:r>
+            <a:endParaRPr lang="en-US" dirty="0"/>
+          </a:p>
+        </p:txBody>
+      </p:sp>
+      <p:sp>
+        <p:nvSpPr>
+          <p:cNvPr id="3" name="Content Placeholder 2"/>
+          <p:cNvSpPr>
+            <a:spLocks noGrp="1"/>
+          </p:cNvSpPr>
+          <p:nvPr>
+            <p:ph idx="1"/>
+          </p:nvPr>
+        </p:nvSpPr>
+        <p:spPr>
+          <a:xfrm>
+            <a:off x="838200" y="1825625"/>
+            <a:ext cx="10515600" cy="1222375"/>
+          </a:xfrm>
+        </p:spPr>
+        <p:txBody>
+          <a:bodyPr/>
+          <a:lstStyle/>
+          <a:p>
+            <a:r>
+              <a:rPr lang="de-DE" dirty="0"/>
+              <a:t>sudo usermod -aG docker </a:t>
+            </a:r>
+            <a:r>
+              <a:rPr lang="de-DE" dirty="0" smtClean="0"/>
+              <a:t>jenkins</a:t>
+            </a:r>
+          </a:p>
+          <a:p>
+            <a:r>
+              <a:rPr lang="de-DE" dirty="0"/>
+              <a:t>sudo usermod -aG docker ec2-user</a:t>
+            </a:r>
+            <a:endParaRPr lang="en-US" dirty="0"/>
+          </a:p>
+        </p:txBody>
+      </p:sp>
+      <p:pic>
+        <p:nvPicPr>
+          <p:cNvPr id="4" name="Picture 3"/>
+          <p:cNvPicPr>
+            <a:picLocks noChangeAspect="1"/>
+          </p:cNvPicPr>
+          <p:nvPr/>
+        </p:nvPicPr>
+        <p:blipFill>
+          <a:blip r:embed="rId2"/>
+          <a:stretch>
+            <a:fillRect/>
+          </a:stretch>
+        </p:blipFill>
+        <p:spPr>
+          <a:xfrm>
+            <a:off x="1270801" y="3824953"/>
+            <a:ext cx="8154107" cy="1295512"/>
+          </a:xfrm>
+          <a:prstGeom prst="rect">
+            <a:avLst/>
+          </a:prstGeom>
+        </p:spPr>
+      </p:pic>
+    </p:spTree>
+    <p:extLst>
+      <p:ext uri="{BB962C8B-B14F-4D97-AF65-F5344CB8AC3E}">
+        <p14:creationId xmlns:p14="http://schemas.microsoft.com/office/powerpoint/2010/main" val="4111997452"/>
+      </p:ext>
+    </p:extLst>
+  </p:cSld>
+  <p:clrMapOvr>
+    <a:masterClrMapping/>
+  </p:clrMapOvr>
+</p:sld>
+</file>
+
+<file path=ppt/slides/slide15.xml><?xml version="1.0" encoding="utf-8"?>
+<p:sld xmlns:a="http://schemas.openxmlformats.org/drawingml/2006/main" xmlns:r="http://schemas.openxmlformats.org/officeDocument/2006/relationships" xmlns:p="http://schemas.openxmlformats.org/presentationml/2006/main">
+  <p:cSld>
+    <p:spTree>
+      <p:nvGrpSpPr>
+        <p:cNvPr id="1" name=""/>
+        <p:cNvGrpSpPr/>
+        <p:nvPr/>
+      </p:nvGrpSpPr>
+      <p:grpSpPr>
+        <a:xfrm>
+          <a:off x="0" y="0"/>
+          <a:ext cx="0" cy="0"/>
+          <a:chOff x="0" y="0"/>
+          <a:chExt cx="0" cy="0"/>
+        </a:xfrm>
+      </p:grpSpPr>
+      <p:sp>
+        <p:nvSpPr>
+          <p:cNvPr id="2" name="Title 1"/>
+          <p:cNvSpPr>
+            <a:spLocks noGrp="1"/>
+          </p:cNvSpPr>
+          <p:nvPr>
+            <p:ph type="title"/>
+          </p:nvPr>
+        </p:nvSpPr>
+        <p:spPr/>
+        <p:txBody>
+          <a:bodyPr/>
+          <a:lstStyle/>
+          <a:p>
+            <a:r>
+              <a:rPr lang="en-US" dirty="0" smtClean="0"/>
+              <a:t>To get the effect please reboot ec2 instance </a:t>
+            </a:r>
+            <a:endParaRPr lang="en-US" dirty="0"/>
+          </a:p>
+        </p:txBody>
+      </p:sp>
+      <p:sp>
+        <p:nvSpPr>
+          <p:cNvPr id="3" name="Content Placeholder 2"/>
+          <p:cNvSpPr>
+            <a:spLocks noGrp="1"/>
+          </p:cNvSpPr>
+          <p:nvPr>
+            <p:ph idx="1"/>
+          </p:nvPr>
+        </p:nvSpPr>
+        <p:spPr>
+          <a:xfrm>
+            <a:off x="838200" y="1825625"/>
+            <a:ext cx="10515600" cy="1157720"/>
+          </a:xfrm>
+        </p:spPr>
+        <p:txBody>
+          <a:bodyPr/>
+          <a:lstStyle/>
+          <a:p>
+            <a:r>
+              <a:rPr lang="en-US" dirty="0" err="1"/>
+              <a:t>s</a:t>
+            </a:r>
+            <a:r>
+              <a:rPr lang="en-US" dirty="0" err="1" smtClean="0"/>
+              <a:t>udo</a:t>
+            </a:r>
+            <a:r>
+              <a:rPr lang="en-US" dirty="0" smtClean="0"/>
+              <a:t> reboot </a:t>
+            </a:r>
+          </a:p>
+          <a:p>
+            <a:r>
+              <a:rPr lang="en-US" dirty="0" smtClean="0"/>
+              <a:t>After reboot please wait few minutes then reconnect </a:t>
+            </a:r>
+          </a:p>
+          <a:p>
+            <a:endParaRPr lang="en-US" dirty="0"/>
+          </a:p>
+        </p:txBody>
+      </p:sp>
+      <p:pic>
+        <p:nvPicPr>
+          <p:cNvPr id="4" name="Picture 3"/>
+          <p:cNvPicPr>
+            <a:picLocks noChangeAspect="1"/>
+          </p:cNvPicPr>
+          <p:nvPr/>
+        </p:nvPicPr>
+        <p:blipFill>
+          <a:blip r:embed="rId2"/>
+          <a:stretch>
+            <a:fillRect/>
+          </a:stretch>
+        </p:blipFill>
+        <p:spPr>
+          <a:xfrm>
+            <a:off x="923819" y="2983345"/>
+            <a:ext cx="9106689" cy="1219306"/>
+          </a:xfrm>
+          <a:prstGeom prst="rect">
+            <a:avLst/>
+          </a:prstGeom>
+        </p:spPr>
+      </p:pic>
+    </p:spTree>
+    <p:extLst>
+      <p:ext uri="{BB962C8B-B14F-4D97-AF65-F5344CB8AC3E}">
+        <p14:creationId xmlns:p14="http://schemas.microsoft.com/office/powerpoint/2010/main" val="413885242"/>
+      </p:ext>
+    </p:extLst>
+  </p:cSld>
+  <p:clrMapOvr>
+    <a:masterClrMapping/>
+  </p:clrMapOvr>
+</p:sld>
+</file>
+
+<file path=ppt/slides/slide16.xml><?xml version="1.0" encoding="utf-8"?>
+<p:sld xmlns:a="http://schemas.openxmlformats.org/drawingml/2006/main" xmlns:r="http://schemas.openxmlformats.org/officeDocument/2006/relationships" xmlns:p="http://schemas.openxmlformats.org/presentationml/2006/main">
+  <p:cSld>
+    <p:spTree>
+      <p:nvGrpSpPr>
+        <p:cNvPr id="1" name=""/>
+        <p:cNvGrpSpPr/>
+        <p:nvPr/>
+      </p:nvGrpSpPr>
+      <p:grpSpPr>
+        <a:xfrm>
+          <a:off x="0" y="0"/>
+          <a:ext cx="0" cy="0"/>
+          <a:chOff x="0" y="0"/>
+          <a:chExt cx="0" cy="0"/>
+        </a:xfrm>
+      </p:grpSpPr>
+      <p:sp>
+        <p:nvSpPr>
+          <p:cNvPr id="2" name="Title 1"/>
+          <p:cNvSpPr>
+            <a:spLocks noGrp="1"/>
+          </p:cNvSpPr>
+          <p:nvPr>
+            <p:ph type="title"/>
+          </p:nvPr>
+        </p:nvSpPr>
+        <p:spPr/>
+        <p:txBody>
+          <a:bodyPr/>
+          <a:lstStyle/>
+          <a:p>
+            <a:r>
+              <a:rPr lang="en-US" dirty="0" smtClean="0"/>
+              <a:t>After re-connected to ec2 </a:t>
+            </a:r>
+            <a:r>
+              <a:rPr lang="en-US" dirty="0" err="1" smtClean="0"/>
+              <a:t>instane</a:t>
+            </a:r>
+            <a:r>
+              <a:rPr lang="en-US" dirty="0" smtClean="0"/>
+              <a:t> </a:t>
+            </a:r>
+            <a:endParaRPr lang="en-US" dirty="0"/>
+          </a:p>
+        </p:txBody>
+      </p:sp>
+      <p:sp>
+        <p:nvSpPr>
+          <p:cNvPr id="3" name="Content Placeholder 2"/>
+          <p:cNvSpPr>
+            <a:spLocks noGrp="1"/>
+          </p:cNvSpPr>
+          <p:nvPr>
+            <p:ph idx="1"/>
+          </p:nvPr>
+        </p:nvSpPr>
+        <p:spPr>
+          <a:xfrm>
+            <a:off x="838200" y="1825625"/>
+            <a:ext cx="10088418" cy="1795030"/>
+          </a:xfrm>
+        </p:spPr>
+        <p:txBody>
+          <a:bodyPr/>
+          <a:lstStyle/>
+          <a:p>
+            <a:r>
+              <a:rPr lang="en-US" dirty="0" smtClean="0"/>
+              <a:t>We need to start Docker and Jenkin once again </a:t>
+            </a:r>
+          </a:p>
+          <a:p>
+            <a:r>
+              <a:rPr lang="en-US" dirty="0" err="1"/>
+              <a:t>sudo</a:t>
+            </a:r>
+            <a:r>
+              <a:rPr lang="en-US" dirty="0"/>
+              <a:t> service </a:t>
+            </a:r>
+            <a:r>
+              <a:rPr lang="en-US" dirty="0" err="1"/>
+              <a:t>docker</a:t>
+            </a:r>
+            <a:r>
+              <a:rPr lang="en-US" dirty="0"/>
+              <a:t> </a:t>
+            </a:r>
+            <a:r>
+              <a:rPr lang="en-US" dirty="0" smtClean="0"/>
+              <a:t>start</a:t>
+            </a:r>
+          </a:p>
+          <a:p>
+            <a:r>
+              <a:rPr lang="en-US" dirty="0" err="1"/>
+              <a:t>sudo</a:t>
+            </a:r>
+            <a:r>
+              <a:rPr lang="en-US" dirty="0"/>
+              <a:t> service </a:t>
+            </a:r>
+            <a:r>
+              <a:rPr lang="en-US" dirty="0" err="1"/>
+              <a:t>jenkins</a:t>
+            </a:r>
+            <a:r>
+              <a:rPr lang="en-US" dirty="0"/>
+              <a:t> start</a:t>
+            </a:r>
+            <a:endParaRPr lang="en-US" dirty="0" smtClean="0"/>
+          </a:p>
+        </p:txBody>
+      </p:sp>
+      <p:pic>
+        <p:nvPicPr>
+          <p:cNvPr id="4" name="Picture 3"/>
+          <p:cNvPicPr>
+            <a:picLocks noChangeAspect="1"/>
+          </p:cNvPicPr>
+          <p:nvPr/>
+        </p:nvPicPr>
+        <p:blipFill>
+          <a:blip r:embed="rId2"/>
+          <a:stretch>
+            <a:fillRect/>
+          </a:stretch>
+        </p:blipFill>
+        <p:spPr>
+          <a:xfrm>
+            <a:off x="1431846" y="4327405"/>
+            <a:ext cx="8497036" cy="1417443"/>
+          </a:xfrm>
+          <a:prstGeom prst="rect">
+            <a:avLst/>
+          </a:prstGeom>
+        </p:spPr>
+      </p:pic>
+    </p:spTree>
+    <p:extLst>
+      <p:ext uri="{BB962C8B-B14F-4D97-AF65-F5344CB8AC3E}">
+        <p14:creationId xmlns:p14="http://schemas.microsoft.com/office/powerpoint/2010/main" val="3911760114"/>
+      </p:ext>
+    </p:extLst>
+  </p:cSld>
+  <p:clrMapOvr>
+    <a:masterClrMapping/>
+  </p:clrMapOvr>
+</p:sld>
+</file>
+
+<file path=ppt/slides/slide17.xml><?xml version="1.0" encoding="utf-8"?>
+<p:sld xmlns:a="http://schemas.openxmlformats.org/drawingml/2006/main" xmlns:r="http://schemas.openxmlformats.org/officeDocument/2006/relationships" xmlns:p="http://schemas.openxmlformats.org/presentationml/2006/main">
+  <p:cSld>
+    <p:spTree>
+      <p:nvGrpSpPr>
+        <p:cNvPr id="1" name=""/>
+        <p:cNvGrpSpPr/>
+        <p:nvPr/>
+      </p:nvGrpSpPr>
+      <p:grpSpPr>
+        <a:xfrm>
+          <a:off x="0" y="0"/>
+          <a:ext cx="0" cy="0"/>
+          <a:chOff x="0" y="0"/>
+          <a:chExt cx="0" cy="0"/>
+        </a:xfrm>
+      </p:grpSpPr>
+      <p:sp>
+        <p:nvSpPr>
+          <p:cNvPr id="2" name="Title 1"/>
+          <p:cNvSpPr>
+            <a:spLocks noGrp="1"/>
+          </p:cNvSpPr>
+          <p:nvPr>
+            <p:ph type="title"/>
+          </p:nvPr>
+        </p:nvSpPr>
+        <p:spPr/>
+        <p:txBody>
+          <a:bodyPr/>
+          <a:lstStyle/>
+          <a:p>
+            <a:r>
+              <a:rPr lang="en-US" dirty="0" smtClean="0"/>
+              <a:t>Check ec2-instance </a:t>
+            </a:r>
+            <a:r>
+              <a:rPr lang="en-US" dirty="0" err="1" smtClean="0"/>
+              <a:t>ip</a:t>
+            </a:r>
+            <a:r>
+              <a:rPr lang="en-US" dirty="0" smtClean="0"/>
+              <a:t> address </a:t>
+            </a:r>
+            <a:endParaRPr lang="en-US" dirty="0"/>
+          </a:p>
+        </p:txBody>
+      </p:sp>
+      <p:pic>
+        <p:nvPicPr>
+          <p:cNvPr id="4" name="Content Placeholder 3"/>
+          <p:cNvPicPr>
+            <a:picLocks noGrp="1" noChangeAspect="1"/>
+          </p:cNvPicPr>
+          <p:nvPr>
+            <p:ph idx="1"/>
+          </p:nvPr>
+        </p:nvPicPr>
+        <p:blipFill>
+          <a:blip r:embed="rId2"/>
+          <a:stretch>
+            <a:fillRect/>
+          </a:stretch>
+        </p:blipFill>
+        <p:spPr>
+          <a:xfrm>
+            <a:off x="1483930" y="1825625"/>
+            <a:ext cx="9224140" cy="4351338"/>
+          </a:xfrm>
+          <a:prstGeom prst="rect">
+            <a:avLst/>
+          </a:prstGeom>
+        </p:spPr>
+      </p:pic>
+    </p:spTree>
+    <p:extLst>
+      <p:ext uri="{BB962C8B-B14F-4D97-AF65-F5344CB8AC3E}">
+        <p14:creationId xmlns:p14="http://schemas.microsoft.com/office/powerpoint/2010/main" val="4077942903"/>
+      </p:ext>
+    </p:extLst>
+  </p:cSld>
+  <p:clrMapOvr>
+    <a:masterClrMapping/>
+  </p:clrMapOvr>
+</p:sld>
+</file>
+
+<file path=ppt/slides/slide18.xml><?xml version="1.0" encoding="utf-8"?>
+<p:sld xmlns:a="http://schemas.openxmlformats.org/drawingml/2006/main" xmlns:r="http://schemas.openxmlformats.org/officeDocument/2006/relationships" xmlns:p="http://schemas.openxmlformats.org/presentationml/2006/main">
+  <p:cSld>
+    <p:spTree>
+      <p:nvGrpSpPr>
+        <p:cNvPr id="1" name=""/>
+        <p:cNvGrpSpPr/>
+        <p:nvPr/>
+      </p:nvGrpSpPr>
+      <p:grpSpPr>
+        <a:xfrm>
+          <a:off x="0" y="0"/>
+          <a:ext cx="0" cy="0"/>
+          <a:chOff x="0" y="0"/>
+          <a:chExt cx="0" cy="0"/>
+        </a:xfrm>
+      </p:grpSpPr>
+      <p:sp>
+        <p:nvSpPr>
+          <p:cNvPr id="2" name="Title 1"/>
+          <p:cNvSpPr>
+            <a:spLocks noGrp="1"/>
+          </p:cNvSpPr>
+          <p:nvPr>
+            <p:ph type="title"/>
+          </p:nvPr>
+        </p:nvSpPr>
+        <p:spPr/>
+        <p:txBody>
+          <a:bodyPr/>
+          <a:lstStyle/>
+          <a:p>
+            <a:r>
+              <a:rPr lang="en-US" dirty="0" smtClean="0"/>
+              <a:t>Application running on port number </a:t>
+            </a:r>
+            <a:endParaRPr lang="en-US" dirty="0"/>
+          </a:p>
+        </p:txBody>
+      </p:sp>
+      <p:sp>
+        <p:nvSpPr>
+          <p:cNvPr id="3" name="Content Placeholder 2"/>
+          <p:cNvSpPr>
+            <a:spLocks noGrp="1"/>
+          </p:cNvSpPr>
+          <p:nvPr>
+            <p:ph idx="1"/>
+          </p:nvPr>
+        </p:nvSpPr>
+        <p:spPr/>
+        <p:txBody>
+          <a:bodyPr/>
+          <a:lstStyle/>
+          <a:p>
+            <a:r>
+              <a:rPr lang="en-US" dirty="0" smtClean="0"/>
+              <a:t>Jenkin running on port number 8080 (default port number). </a:t>
+            </a:r>
+          </a:p>
+          <a:p>
+            <a:r>
+              <a:rPr lang="en-US" dirty="0" smtClean="0"/>
+              <a:t>Nginx server running on port number 80( default port number). </a:t>
+            </a:r>
+          </a:p>
+          <a:p>
+            <a:r>
+              <a:rPr lang="en-US" dirty="0" smtClean="0"/>
+              <a:t>So now we need to open both port number in inbound. </a:t>
+            </a:r>
+            <a:endParaRPr lang="en-US" dirty="0"/>
+          </a:p>
+        </p:txBody>
+      </p:sp>
+    </p:spTree>
+    <p:extLst>
+      <p:ext uri="{BB962C8B-B14F-4D97-AF65-F5344CB8AC3E}">
+        <p14:creationId xmlns:p14="http://schemas.microsoft.com/office/powerpoint/2010/main" val="20682591"/>
+      </p:ext>
+    </p:extLst>
+  </p:cSld>
+  <p:clrMapOvr>
+    <a:masterClrMapping/>
+  </p:clrMapOvr>
+</p:sld>
+</file>
+
+<file path=ppt/slides/slide19.xml><?xml version="1.0" encoding="utf-8"?>
+<p:sld xmlns:a="http://schemas.openxmlformats.org/drawingml/2006/main" xmlns:r="http://schemas.openxmlformats.org/officeDocument/2006/relationships" xmlns:p="http://schemas.openxmlformats.org/presentationml/2006/main">
+  <p:cSld>
+    <p:spTree>
+      <p:nvGrpSpPr>
+        <p:cNvPr id="1" name=""/>
+        <p:cNvGrpSpPr/>
+        <p:nvPr/>
+      </p:nvGrpSpPr>
+      <p:grpSpPr>
+        <a:xfrm>
+          <a:off x="0" y="0"/>
+          <a:ext cx="0" cy="0"/>
+          <a:chOff x="0" y="0"/>
+          <a:chExt cx="0" cy="0"/>
+        </a:xfrm>
+      </p:grpSpPr>
+      <p:sp>
+        <p:nvSpPr>
+          <p:cNvPr id="2" name="Title 1"/>
+          <p:cNvSpPr>
+            <a:spLocks noGrp="1"/>
+          </p:cNvSpPr>
+          <p:nvPr>
+            <p:ph type="title"/>
+          </p:nvPr>
+        </p:nvSpPr>
+        <p:spPr/>
+        <p:txBody>
+          <a:bodyPr/>
+          <a:lstStyle/>
+          <a:p>
+            <a:r>
+              <a:rPr lang="en-US" dirty="0" smtClean="0"/>
+              <a:t>Select the security option </a:t>
+            </a:r>
+            <a:endParaRPr lang="en-US" dirty="0"/>
+          </a:p>
+        </p:txBody>
+      </p:sp>
+      <p:pic>
+        <p:nvPicPr>
+          <p:cNvPr id="5" name="Content Placeholder 4"/>
+          <p:cNvPicPr>
+            <a:picLocks noGrp="1" noChangeAspect="1"/>
+          </p:cNvPicPr>
+          <p:nvPr>
+            <p:ph idx="1"/>
+          </p:nvPr>
+        </p:nvPicPr>
+        <p:blipFill>
+          <a:blip r:embed="rId2"/>
+          <a:stretch>
+            <a:fillRect/>
+          </a:stretch>
+        </p:blipFill>
+        <p:spPr>
+          <a:xfrm>
+            <a:off x="1148243" y="1825625"/>
+            <a:ext cx="9895514" cy="4351338"/>
+          </a:xfrm>
+          <a:prstGeom prst="rect">
+            <a:avLst/>
+          </a:prstGeom>
+        </p:spPr>
+      </p:pic>
+    </p:spTree>
+    <p:extLst>
+      <p:ext uri="{BB962C8B-B14F-4D97-AF65-F5344CB8AC3E}">
+        <p14:creationId xmlns:p14="http://schemas.microsoft.com/office/powerpoint/2010/main" val="73853253"/>
       </p:ext>
     </p:extLst>
   </p:cSld>
@@ -3077,7 +4310,11 @@
           <a:p>
             <a:r>
               <a:rPr lang="en-US" dirty="0" smtClean="0"/>
-              <a:t>Node JS</a:t>
+              <a:t>My file present in desktop so I have point to desktop using </a:t>
+            </a:r>
+            <a:r>
+              <a:rPr lang="en-US" dirty="0" err="1" smtClean="0"/>
+              <a:t>gitbash</a:t>
             </a:r>
             <a:r>
               <a:rPr lang="en-US" dirty="0" smtClean="0"/>
@@ -3087,97 +4324,640 @@
           </a:p>
         </p:txBody>
       </p:sp>
-      <p:sp>
-        <p:nvSpPr>
-          <p:cNvPr id="3" name="Content Placeholder 2"/>
-          <p:cNvSpPr>
-            <a:spLocks noGrp="1"/>
-          </p:cNvSpPr>
+      <p:pic>
+        <p:nvPicPr>
+          <p:cNvPr id="4" name="Content Placeholder 3"/>
+          <p:cNvPicPr>
+            <a:picLocks noGrp="1" noChangeAspect="1"/>
+          </p:cNvPicPr>
           <p:nvPr>
             <p:ph idx="1"/>
           </p:nvPr>
-        </p:nvSpPr>
-        <p:spPr/>
-        <p:txBody>
-          <a:bodyPr>
-            <a:normAutofit fontScale="92500"/>
-          </a:bodyPr>
-          <a:lstStyle/>
-          <a:p>
-            <a:r>
-              <a:rPr lang="en-US" dirty="0" smtClean="0"/>
-              <a:t>Node JS is a run time environment for JavaScript library and framework. </a:t>
-            </a:r>
-            <a:endParaRPr lang="en-US" dirty="0" smtClean="0"/>
-          </a:p>
-          <a:p>
-            <a:r>
-              <a:rPr lang="en-US" dirty="0" smtClean="0"/>
-              <a:t>Before node </a:t>
-            </a:r>
-            <a:r>
-              <a:rPr lang="en-US" dirty="0" err="1" smtClean="0"/>
-              <a:t>js</a:t>
-            </a:r>
-            <a:r>
-              <a:rPr lang="en-US" dirty="0" smtClean="0"/>
-              <a:t> JavaScript is known as Client side scripting language.</a:t>
-            </a:r>
-          </a:p>
-          <a:p>
-            <a:r>
-              <a:rPr lang="en-US" dirty="0" smtClean="0"/>
-              <a:t>But after node </a:t>
-            </a:r>
-            <a:r>
-              <a:rPr lang="en-US" dirty="0" err="1" smtClean="0"/>
-              <a:t>js</a:t>
-            </a:r>
-            <a:r>
-              <a:rPr lang="en-US" dirty="0" smtClean="0"/>
-              <a:t> JavaScript also known as Client side as well as server side scripting language. </a:t>
-            </a:r>
-          </a:p>
-          <a:p>
-            <a:r>
-              <a:rPr lang="en-US" dirty="0" smtClean="0"/>
-              <a:t>Node JS provided lot of pre module which help to create the server side application. </a:t>
-            </a:r>
-          </a:p>
-          <a:p>
-            <a:r>
-              <a:rPr lang="en-US" dirty="0" smtClean="0"/>
-              <a:t>Node JS Modules divided into </a:t>
-            </a:r>
-          </a:p>
-          <a:p>
-            <a:pPr lvl="1"/>
-            <a:r>
-              <a:rPr lang="en-US" dirty="0" smtClean="0"/>
-              <a:t>Core module </a:t>
-            </a:r>
-          </a:p>
-          <a:p>
-            <a:pPr lvl="1"/>
-            <a:r>
-              <a:rPr lang="en-US" dirty="0" smtClean="0"/>
-              <a:t>User defined module </a:t>
-            </a:r>
-          </a:p>
-          <a:p>
-            <a:pPr lvl="1"/>
-            <a:r>
-              <a:rPr lang="en-US" dirty="0" smtClean="0"/>
-              <a:t>External module </a:t>
-            </a:r>
-            <a:endParaRPr lang="en-US" dirty="0" smtClean="0"/>
-          </a:p>
-        </p:txBody>
-      </p:sp>
+        </p:nvPicPr>
+        <p:blipFill>
+          <a:blip r:embed="rId2"/>
+          <a:stretch>
+            <a:fillRect/>
+          </a:stretch>
+        </p:blipFill>
+        <p:spPr>
+          <a:xfrm>
+            <a:off x="1939345" y="1825625"/>
+            <a:ext cx="8313309" cy="4351338"/>
+          </a:xfrm>
+          <a:prstGeom prst="rect">
+            <a:avLst/>
+          </a:prstGeom>
+        </p:spPr>
+      </p:pic>
     </p:spTree>
     <p:extLst>
       <p:ext uri="{BB962C8B-B14F-4D97-AF65-F5344CB8AC3E}">
-        <p14:creationId xmlns:p14="http://schemas.microsoft.com/office/powerpoint/2010/main" val="3664739219"/>
+        <p14:creationId xmlns:p14="http://schemas.microsoft.com/office/powerpoint/2010/main" val="989954632"/>
+      </p:ext>
+    </p:extLst>
+  </p:cSld>
+  <p:clrMapOvr>
+    <a:masterClrMapping/>
+  </p:clrMapOvr>
+</p:sld>
+</file>
+
+<file path=ppt/slides/slide20.xml><?xml version="1.0" encoding="utf-8"?>
+<p:sld xmlns:a="http://schemas.openxmlformats.org/drawingml/2006/main" xmlns:r="http://schemas.openxmlformats.org/officeDocument/2006/relationships" xmlns:p="http://schemas.openxmlformats.org/presentationml/2006/main">
+  <p:cSld>
+    <p:spTree>
+      <p:nvGrpSpPr>
+        <p:cNvPr id="1" name=""/>
+        <p:cNvGrpSpPr/>
+        <p:nvPr/>
+      </p:nvGrpSpPr>
+      <p:grpSpPr>
+        <a:xfrm>
+          <a:off x="0" y="0"/>
+          <a:ext cx="0" cy="0"/>
+          <a:chOff x="0" y="0"/>
+          <a:chExt cx="0" cy="0"/>
+        </a:xfrm>
+      </p:grpSpPr>
+      <p:sp>
+        <p:nvSpPr>
+          <p:cNvPr id="2" name="Title 1"/>
+          <p:cNvSpPr>
+            <a:spLocks noGrp="1"/>
+          </p:cNvSpPr>
+          <p:nvPr>
+            <p:ph type="title"/>
+          </p:nvPr>
+        </p:nvSpPr>
+        <p:spPr/>
+        <p:txBody>
+          <a:bodyPr/>
+          <a:lstStyle/>
+          <a:p>
+            <a:r>
+              <a:rPr lang="en-US" dirty="0" smtClean="0"/>
+              <a:t>Search security launch wizard </a:t>
+            </a:r>
+            <a:endParaRPr lang="en-US" dirty="0"/>
+          </a:p>
+        </p:txBody>
+      </p:sp>
+      <p:pic>
+        <p:nvPicPr>
+          <p:cNvPr id="5" name="Content Placeholder 4"/>
+          <p:cNvPicPr>
+            <a:picLocks noGrp="1" noChangeAspect="1"/>
+          </p:cNvPicPr>
+          <p:nvPr>
+            <p:ph idx="1"/>
+          </p:nvPr>
+        </p:nvPicPr>
+        <p:blipFill>
+          <a:blip r:embed="rId2"/>
+          <a:stretch>
+            <a:fillRect/>
+          </a:stretch>
+        </p:blipFill>
+        <p:spPr>
+          <a:xfrm>
+            <a:off x="1384928" y="1825625"/>
+            <a:ext cx="9422143" cy="4351338"/>
+          </a:xfrm>
+          <a:prstGeom prst="rect">
+            <a:avLst/>
+          </a:prstGeom>
+        </p:spPr>
+      </p:pic>
+    </p:spTree>
+    <p:extLst>
+      <p:ext uri="{BB962C8B-B14F-4D97-AF65-F5344CB8AC3E}">
+        <p14:creationId xmlns:p14="http://schemas.microsoft.com/office/powerpoint/2010/main" val="2692948852"/>
+      </p:ext>
+    </p:extLst>
+  </p:cSld>
+  <p:clrMapOvr>
+    <a:masterClrMapping/>
+  </p:clrMapOvr>
+</p:sld>
+</file>
+
+<file path=ppt/slides/slide21.xml><?xml version="1.0" encoding="utf-8"?>
+<p:sld xmlns:a="http://schemas.openxmlformats.org/drawingml/2006/main" xmlns:r="http://schemas.openxmlformats.org/officeDocument/2006/relationships" xmlns:p="http://schemas.openxmlformats.org/presentationml/2006/main">
+  <p:cSld>
+    <p:spTree>
+      <p:nvGrpSpPr>
+        <p:cNvPr id="1" name=""/>
+        <p:cNvGrpSpPr/>
+        <p:nvPr/>
+      </p:nvGrpSpPr>
+      <p:grpSpPr>
+        <a:xfrm>
+          <a:off x="0" y="0"/>
+          <a:ext cx="0" cy="0"/>
+          <a:chOff x="0" y="0"/>
+          <a:chExt cx="0" cy="0"/>
+        </a:xfrm>
+      </p:grpSpPr>
+      <p:sp>
+        <p:nvSpPr>
+          <p:cNvPr id="2" name="Title 1"/>
+          <p:cNvSpPr>
+            <a:spLocks noGrp="1"/>
+          </p:cNvSpPr>
+          <p:nvPr>
+            <p:ph type="title"/>
+          </p:nvPr>
+        </p:nvSpPr>
+        <p:spPr/>
+        <p:txBody>
+          <a:bodyPr/>
+          <a:lstStyle/>
+          <a:p>
+            <a:r>
+              <a:rPr lang="en-US" dirty="0" smtClean="0"/>
+              <a:t>Once you click on launch wizard it open another tab in browser. </a:t>
+            </a:r>
+            <a:endParaRPr lang="en-US" dirty="0"/>
+          </a:p>
+        </p:txBody>
+      </p:sp>
+      <p:pic>
+        <p:nvPicPr>
+          <p:cNvPr id="5" name="Content Placeholder 4"/>
+          <p:cNvPicPr>
+            <a:picLocks noGrp="1" noChangeAspect="1"/>
+          </p:cNvPicPr>
+          <p:nvPr>
+            <p:ph idx="1"/>
+          </p:nvPr>
+        </p:nvPicPr>
+        <p:blipFill>
+          <a:blip r:embed="rId2"/>
+          <a:stretch>
+            <a:fillRect/>
+          </a:stretch>
+        </p:blipFill>
+        <p:spPr>
+          <a:xfrm>
+            <a:off x="1283613" y="1825625"/>
+            <a:ext cx="9624773" cy="4351338"/>
+          </a:xfrm>
+          <a:prstGeom prst="rect">
+            <a:avLst/>
+          </a:prstGeom>
+        </p:spPr>
+      </p:pic>
+    </p:spTree>
+    <p:extLst>
+      <p:ext uri="{BB962C8B-B14F-4D97-AF65-F5344CB8AC3E}">
+        <p14:creationId xmlns:p14="http://schemas.microsoft.com/office/powerpoint/2010/main" val="3677531395"/>
+      </p:ext>
+    </p:extLst>
+  </p:cSld>
+  <p:clrMapOvr>
+    <a:masterClrMapping/>
+  </p:clrMapOvr>
+</p:sld>
+</file>
+
+<file path=ppt/slides/slide22.xml><?xml version="1.0" encoding="utf-8"?>
+<p:sld xmlns:a="http://schemas.openxmlformats.org/drawingml/2006/main" xmlns:r="http://schemas.openxmlformats.org/officeDocument/2006/relationships" xmlns:p="http://schemas.openxmlformats.org/presentationml/2006/main">
+  <p:cSld>
+    <p:spTree>
+      <p:nvGrpSpPr>
+        <p:cNvPr id="1" name=""/>
+        <p:cNvGrpSpPr/>
+        <p:nvPr/>
+      </p:nvGrpSpPr>
+      <p:grpSpPr>
+        <a:xfrm>
+          <a:off x="0" y="0"/>
+          <a:ext cx="0" cy="0"/>
+          <a:chOff x="0" y="0"/>
+          <a:chExt cx="0" cy="0"/>
+        </a:xfrm>
+      </p:grpSpPr>
+      <p:sp>
+        <p:nvSpPr>
+          <p:cNvPr id="2" name="Title 1"/>
+          <p:cNvSpPr>
+            <a:spLocks noGrp="1"/>
+          </p:cNvSpPr>
+          <p:nvPr>
+            <p:ph type="title"/>
+          </p:nvPr>
+        </p:nvSpPr>
+        <p:spPr/>
+        <p:txBody>
+          <a:bodyPr/>
+          <a:lstStyle/>
+          <a:p>
+            <a:r>
+              <a:rPr lang="en-US" dirty="0" smtClean="0"/>
+              <a:t>Search edit inbound rules </a:t>
+            </a:r>
+            <a:endParaRPr lang="en-US" dirty="0"/>
+          </a:p>
+        </p:txBody>
+      </p:sp>
+      <p:pic>
+        <p:nvPicPr>
+          <p:cNvPr id="4" name="Content Placeholder 3"/>
+          <p:cNvPicPr>
+            <a:picLocks noGrp="1" noChangeAspect="1"/>
+          </p:cNvPicPr>
+          <p:nvPr>
+            <p:ph idx="1"/>
+          </p:nvPr>
+        </p:nvPicPr>
+        <p:blipFill>
+          <a:blip r:embed="rId2"/>
+          <a:stretch>
+            <a:fillRect/>
+          </a:stretch>
+        </p:blipFill>
+        <p:spPr>
+          <a:xfrm>
+            <a:off x="1773777" y="1825625"/>
+            <a:ext cx="8644445" cy="4351338"/>
+          </a:xfrm>
+          <a:prstGeom prst="rect">
+            <a:avLst/>
+          </a:prstGeom>
+        </p:spPr>
+      </p:pic>
+    </p:spTree>
+    <p:extLst>
+      <p:ext uri="{BB962C8B-B14F-4D97-AF65-F5344CB8AC3E}">
+        <p14:creationId xmlns:p14="http://schemas.microsoft.com/office/powerpoint/2010/main" val="41471364"/>
+      </p:ext>
+    </p:extLst>
+  </p:cSld>
+  <p:clrMapOvr>
+    <a:masterClrMapping/>
+  </p:clrMapOvr>
+</p:sld>
+</file>
+
+<file path=ppt/slides/slide23.xml><?xml version="1.0" encoding="utf-8"?>
+<p:sld xmlns:a="http://schemas.openxmlformats.org/drawingml/2006/main" xmlns:r="http://schemas.openxmlformats.org/officeDocument/2006/relationships" xmlns:p="http://schemas.openxmlformats.org/presentationml/2006/main">
+  <p:cSld>
+    <p:spTree>
+      <p:nvGrpSpPr>
+        <p:cNvPr id="1" name=""/>
+        <p:cNvGrpSpPr/>
+        <p:nvPr/>
+      </p:nvGrpSpPr>
+      <p:grpSpPr>
+        <a:xfrm>
+          <a:off x="0" y="0"/>
+          <a:ext cx="0" cy="0"/>
+          <a:chOff x="0" y="0"/>
+          <a:chExt cx="0" cy="0"/>
+        </a:xfrm>
+      </p:grpSpPr>
+      <p:sp>
+        <p:nvSpPr>
+          <p:cNvPr id="2" name="Title 1"/>
+          <p:cNvSpPr>
+            <a:spLocks noGrp="1"/>
+          </p:cNvSpPr>
+          <p:nvPr>
+            <p:ph type="title"/>
+          </p:nvPr>
+        </p:nvSpPr>
+        <p:spPr/>
+        <p:txBody>
+          <a:bodyPr/>
+          <a:lstStyle/>
+          <a:p>
+            <a:endParaRPr lang="en-US"/>
+          </a:p>
+        </p:txBody>
+      </p:sp>
+      <p:pic>
+        <p:nvPicPr>
+          <p:cNvPr id="4" name="Content Placeholder 3"/>
+          <p:cNvPicPr>
+            <a:picLocks noGrp="1" noChangeAspect="1"/>
+          </p:cNvPicPr>
+          <p:nvPr>
+            <p:ph idx="1"/>
+          </p:nvPr>
+        </p:nvPicPr>
+        <p:blipFill>
+          <a:blip r:embed="rId2"/>
+          <a:stretch>
+            <a:fillRect/>
+          </a:stretch>
+        </p:blipFill>
+        <p:spPr>
+          <a:xfrm>
+            <a:off x="838200" y="1971311"/>
+            <a:ext cx="10515600" cy="4059966"/>
+          </a:xfrm>
+          <a:prstGeom prst="rect">
+            <a:avLst/>
+          </a:prstGeom>
+        </p:spPr>
+      </p:pic>
+    </p:spTree>
+    <p:extLst>
+      <p:ext uri="{BB962C8B-B14F-4D97-AF65-F5344CB8AC3E}">
+        <p14:creationId xmlns:p14="http://schemas.microsoft.com/office/powerpoint/2010/main" val="2007003723"/>
+      </p:ext>
+    </p:extLst>
+  </p:cSld>
+  <p:clrMapOvr>
+    <a:masterClrMapping/>
+  </p:clrMapOvr>
+</p:sld>
+</file>
+
+<file path=ppt/slides/slide24.xml><?xml version="1.0" encoding="utf-8"?>
+<p:sld xmlns:a="http://schemas.openxmlformats.org/drawingml/2006/main" xmlns:r="http://schemas.openxmlformats.org/officeDocument/2006/relationships" xmlns:p="http://schemas.openxmlformats.org/presentationml/2006/main">
+  <p:cSld>
+    <p:spTree>
+      <p:nvGrpSpPr>
+        <p:cNvPr id="1" name=""/>
+        <p:cNvGrpSpPr/>
+        <p:nvPr/>
+      </p:nvGrpSpPr>
+      <p:grpSpPr>
+        <a:xfrm>
+          <a:off x="0" y="0"/>
+          <a:ext cx="0" cy="0"/>
+          <a:chOff x="0" y="0"/>
+          <a:chExt cx="0" cy="0"/>
+        </a:xfrm>
+      </p:grpSpPr>
+      <p:sp>
+        <p:nvSpPr>
+          <p:cNvPr id="2" name="Title 1"/>
+          <p:cNvSpPr>
+            <a:spLocks noGrp="1"/>
+          </p:cNvSpPr>
+          <p:nvPr>
+            <p:ph type="title"/>
+          </p:nvPr>
+        </p:nvSpPr>
+        <p:spPr/>
+        <p:txBody>
+          <a:bodyPr/>
+          <a:lstStyle/>
+          <a:p>
+            <a:r>
+              <a:rPr lang="en-US" dirty="0" smtClean="0"/>
+              <a:t>Click on add rule</a:t>
+            </a:r>
+            <a:endParaRPr lang="en-US" dirty="0"/>
+          </a:p>
+        </p:txBody>
+      </p:sp>
+      <p:sp>
+        <p:nvSpPr>
+          <p:cNvPr id="5" name="Content Placeholder 4"/>
+          <p:cNvSpPr>
+            <a:spLocks noGrp="1"/>
+          </p:cNvSpPr>
+          <p:nvPr>
+            <p:ph idx="1"/>
+          </p:nvPr>
+        </p:nvSpPr>
+        <p:spPr/>
+        <p:txBody>
+          <a:bodyPr/>
+          <a:lstStyle/>
+          <a:p>
+            <a:r>
+              <a:rPr lang="en-US" dirty="0" smtClean="0"/>
+              <a:t>Type must be : custom type </a:t>
+            </a:r>
+          </a:p>
+          <a:p>
+            <a:r>
+              <a:rPr lang="en-US" dirty="0" smtClean="0"/>
+              <a:t>Protocol : TCP </a:t>
+            </a:r>
+          </a:p>
+          <a:p>
+            <a:r>
+              <a:rPr lang="en-US" dirty="0" smtClean="0"/>
+              <a:t>Port range : 80-9999 ( means we can use any port number between range 80 to 9999) </a:t>
+            </a:r>
+          </a:p>
+          <a:p>
+            <a:r>
+              <a:rPr lang="en-US" dirty="0" smtClean="0"/>
+              <a:t>Source : anywhere</a:t>
+            </a:r>
+          </a:p>
+          <a:p>
+            <a:r>
+              <a:rPr lang="en-US" dirty="0" smtClean="0"/>
+              <a:t>Click on save rules  </a:t>
+            </a:r>
+          </a:p>
+          <a:p>
+            <a:endParaRPr lang="en-US" dirty="0"/>
+          </a:p>
+        </p:txBody>
+      </p:sp>
+      <p:pic>
+        <p:nvPicPr>
+          <p:cNvPr id="6" name="Content Placeholder 3"/>
+          <p:cNvPicPr>
+            <a:picLocks noChangeAspect="1"/>
+          </p:cNvPicPr>
+          <p:nvPr/>
+        </p:nvPicPr>
+        <p:blipFill>
+          <a:blip r:embed="rId2"/>
+          <a:stretch>
+            <a:fillRect/>
+          </a:stretch>
+        </p:blipFill>
+        <p:spPr>
+          <a:xfrm>
+            <a:off x="3969329" y="3380510"/>
+            <a:ext cx="8110600" cy="2796453"/>
+          </a:xfrm>
+          <a:prstGeom prst="rect">
+            <a:avLst/>
+          </a:prstGeom>
+        </p:spPr>
+      </p:pic>
+    </p:spTree>
+    <p:extLst>
+      <p:ext uri="{BB962C8B-B14F-4D97-AF65-F5344CB8AC3E}">
+        <p14:creationId xmlns:p14="http://schemas.microsoft.com/office/powerpoint/2010/main" val="1523589269"/>
+      </p:ext>
+    </p:extLst>
+  </p:cSld>
+  <p:clrMapOvr>
+    <a:masterClrMapping/>
+  </p:clrMapOvr>
+</p:sld>
+</file>
+
+<file path=ppt/slides/slide25.xml><?xml version="1.0" encoding="utf-8"?>
+<p:sld xmlns:a="http://schemas.openxmlformats.org/drawingml/2006/main" xmlns:r="http://schemas.openxmlformats.org/officeDocument/2006/relationships" xmlns:p="http://schemas.openxmlformats.org/presentationml/2006/main">
+  <p:cSld>
+    <p:spTree>
+      <p:nvGrpSpPr>
+        <p:cNvPr id="1" name=""/>
+        <p:cNvGrpSpPr/>
+        <p:nvPr/>
+      </p:nvGrpSpPr>
+      <p:grpSpPr>
+        <a:xfrm>
+          <a:off x="0" y="0"/>
+          <a:ext cx="0" cy="0"/>
+          <a:chOff x="0" y="0"/>
+          <a:chExt cx="0" cy="0"/>
+        </a:xfrm>
+      </p:grpSpPr>
+      <p:sp>
+        <p:nvSpPr>
+          <p:cNvPr id="2" name="Title 1"/>
+          <p:cNvSpPr>
+            <a:spLocks noGrp="1"/>
+          </p:cNvSpPr>
+          <p:nvPr>
+            <p:ph type="title"/>
+          </p:nvPr>
+        </p:nvSpPr>
+        <p:spPr/>
+        <p:txBody>
+          <a:bodyPr/>
+          <a:lstStyle/>
+          <a:p>
+            <a:r>
+              <a:rPr lang="en-US" dirty="0" smtClean="0"/>
+              <a:t>Check your ec2 instance </a:t>
+            </a:r>
+            <a:r>
+              <a:rPr lang="en-US" dirty="0" err="1" smtClean="0"/>
+              <a:t>ip</a:t>
+            </a:r>
+            <a:r>
+              <a:rPr lang="en-US" dirty="0" smtClean="0"/>
+              <a:t> address</a:t>
+            </a:r>
+            <a:endParaRPr lang="en-US" dirty="0"/>
+          </a:p>
+        </p:txBody>
+      </p:sp>
+      <p:pic>
+        <p:nvPicPr>
+          <p:cNvPr id="5" name="Content Placeholder 4"/>
+          <p:cNvPicPr>
+            <a:picLocks noGrp="1" noChangeAspect="1"/>
+          </p:cNvPicPr>
+          <p:nvPr>
+            <p:ph idx="1"/>
+          </p:nvPr>
+        </p:nvPicPr>
+        <p:blipFill>
+          <a:blip r:embed="rId2"/>
+          <a:stretch>
+            <a:fillRect/>
+          </a:stretch>
+        </p:blipFill>
+        <p:spPr>
+          <a:xfrm>
+            <a:off x="838200" y="1958596"/>
+            <a:ext cx="10515600" cy="4085396"/>
+          </a:xfrm>
+          <a:prstGeom prst="rect">
+            <a:avLst/>
+          </a:prstGeom>
+        </p:spPr>
+      </p:pic>
+    </p:spTree>
+    <p:extLst>
+      <p:ext uri="{BB962C8B-B14F-4D97-AF65-F5344CB8AC3E}">
+        <p14:creationId xmlns:p14="http://schemas.microsoft.com/office/powerpoint/2010/main" val="4196896809"/>
+      </p:ext>
+    </p:extLst>
+  </p:cSld>
+  <p:clrMapOvr>
+    <a:masterClrMapping/>
+  </p:clrMapOvr>
+</p:sld>
+</file>
+
+<file path=ppt/slides/slide26.xml><?xml version="1.0" encoding="utf-8"?>
+<p:sld xmlns:a="http://schemas.openxmlformats.org/drawingml/2006/main" xmlns:r="http://schemas.openxmlformats.org/officeDocument/2006/relationships" xmlns:p="http://schemas.openxmlformats.org/presentationml/2006/main">
+  <p:cSld>
+    <p:spTree>
+      <p:nvGrpSpPr>
+        <p:cNvPr id="1" name=""/>
+        <p:cNvGrpSpPr/>
+        <p:nvPr/>
+      </p:nvGrpSpPr>
+      <p:grpSpPr>
+        <a:xfrm>
+          <a:off x="0" y="0"/>
+          <a:ext cx="0" cy="0"/>
+          <a:chOff x="0" y="0"/>
+          <a:chExt cx="0" cy="0"/>
+        </a:xfrm>
+      </p:grpSpPr>
+      <p:sp>
+        <p:nvSpPr>
+          <p:cNvPr id="2" name="Title 1"/>
+          <p:cNvSpPr>
+            <a:spLocks noGrp="1"/>
+          </p:cNvSpPr>
+          <p:nvPr>
+            <p:ph type="title"/>
+          </p:nvPr>
+        </p:nvSpPr>
+        <p:spPr/>
+        <p:txBody>
+          <a:bodyPr/>
+          <a:lstStyle/>
+          <a:p>
+            <a:r>
+              <a:rPr lang="en-US" dirty="0" smtClean="0"/>
+              <a:t>Instance details </a:t>
+            </a:r>
+            <a:endParaRPr lang="en-US" dirty="0"/>
+          </a:p>
+        </p:txBody>
+      </p:sp>
+      <p:pic>
+        <p:nvPicPr>
+          <p:cNvPr id="4" name="Content Placeholder 3"/>
+          <p:cNvPicPr>
+            <a:picLocks noGrp="1" noChangeAspect="1"/>
+          </p:cNvPicPr>
+          <p:nvPr>
+            <p:ph idx="1"/>
+          </p:nvPr>
+        </p:nvPicPr>
+        <p:blipFill>
+          <a:blip r:embed="rId2"/>
+          <a:stretch>
+            <a:fillRect/>
+          </a:stretch>
+        </p:blipFill>
+        <p:spPr>
+          <a:xfrm>
+            <a:off x="1274742" y="1825625"/>
+            <a:ext cx="9642515" cy="4351338"/>
+          </a:xfrm>
+          <a:prstGeom prst="rect">
+            <a:avLst/>
+          </a:prstGeom>
+        </p:spPr>
+      </p:pic>
+    </p:spTree>
+    <p:extLst>
+      <p:ext uri="{BB962C8B-B14F-4D97-AF65-F5344CB8AC3E}">
+        <p14:creationId xmlns:p14="http://schemas.microsoft.com/office/powerpoint/2010/main" val="1565793962"/>
       </p:ext>
     </p:extLst>
   </p:cSld>
@@ -3221,15 +5001,15 @@
           <a:p>
             <a:r>
               <a:rPr lang="en-US" dirty="0" smtClean="0"/>
-              <a:t>Installation of node </a:t>
+              <a:t>Please paste that command to connect this terminal to </a:t>
             </a:r>
             <a:r>
               <a:rPr lang="en-US" dirty="0" err="1" smtClean="0"/>
-              <a:t>js</a:t>
-            </a:r>
-            <a:r>
-              <a:rPr lang="en-US" dirty="0" smtClean="0"/>
-              <a:t> </a:t>
+              <a:t>aws</a:t>
+            </a:r>
+            <a:r>
+              <a:rPr lang="en-US" dirty="0" smtClean="0"/>
+              <a:t> instance </a:t>
             </a:r>
             <a:endParaRPr lang="en-US" dirty="0"/>
           </a:p>
@@ -3237,7 +5017,7 @@
       </p:sp>
       <p:pic>
         <p:nvPicPr>
-          <p:cNvPr id="4" name="Content Placeholder 3"/>
+          <p:cNvPr id="6" name="Content Placeholder 5"/>
           <p:cNvPicPr>
             <a:picLocks noGrp="1" noChangeAspect="1"/>
           </p:cNvPicPr>
@@ -3253,8 +5033,8 @@
         </p:blipFill>
         <p:spPr>
           <a:xfrm>
-            <a:off x="1699251" y="1690688"/>
-            <a:ext cx="7057062" cy="4351338"/>
+            <a:off x="838200" y="2215282"/>
+            <a:ext cx="10515600" cy="3572023"/>
           </a:xfrm>
           <a:prstGeom prst="rect">
             <a:avLst/>
@@ -3264,7 +5044,7 @@
     </p:spTree>
     <p:extLst>
       <p:ext uri="{BB962C8B-B14F-4D97-AF65-F5344CB8AC3E}">
-        <p14:creationId xmlns:p14="http://schemas.microsoft.com/office/powerpoint/2010/main" val="3546111040"/>
+        <p14:creationId xmlns:p14="http://schemas.microsoft.com/office/powerpoint/2010/main" val="4202382916"/>
       </p:ext>
     </p:extLst>
   </p:cSld>
@@ -3308,29 +5088,52 @@
           <a:p>
             <a:r>
               <a:rPr lang="en-US" dirty="0" smtClean="0"/>
-              <a:t>To verify node version and </a:t>
+              <a:t>We need to update instance using command as </a:t>
+            </a:r>
+            <a:endParaRPr lang="en-US" dirty="0"/>
+          </a:p>
+        </p:txBody>
+      </p:sp>
+      <p:sp>
+        <p:nvSpPr>
+          <p:cNvPr id="3" name="Content Placeholder 2"/>
+          <p:cNvSpPr>
+            <a:spLocks noGrp="1"/>
+          </p:cNvSpPr>
+          <p:nvPr>
+            <p:ph idx="1"/>
+          </p:nvPr>
+        </p:nvSpPr>
+        <p:spPr/>
+        <p:txBody>
+          <a:bodyPr/>
+          <a:lstStyle/>
+          <a:p>
+            <a:r>
+              <a:rPr lang="en-US" dirty="0" err="1"/>
+              <a:t>s</a:t>
             </a:r>
             <a:r>
               <a:rPr lang="en-US" dirty="0" err="1" smtClean="0"/>
-              <a:t>npm</a:t>
-            </a:r>
-            <a:r>
-              <a:rPr lang="en-US" dirty="0" smtClean="0"/>
-              <a:t> version </a:t>
-            </a:r>
+              <a:t>udo</a:t>
+            </a:r>
+            <a:r>
+              <a:rPr lang="en-US" dirty="0" smtClean="0"/>
+              <a:t> yum –y update </a:t>
+            </a:r>
+          </a:p>
+          <a:p>
             <a:endParaRPr lang="en-US" dirty="0"/>
           </a:p>
         </p:txBody>
       </p:sp>
       <p:pic>
         <p:nvPicPr>
-          <p:cNvPr id="4" name="Content Placeholder 3"/>
+          <p:cNvPr id="4" name="Picture 3"/>
           <p:cNvPicPr>
-            <a:picLocks noGrp="1" noChangeAspect="1"/>
+            <a:picLocks noChangeAspect="1"/>
           </p:cNvPicPr>
-          <p:nvPr>
-            <p:ph idx="1"/>
-          </p:nvPr>
+          <p:nvPr/>
         </p:nvPicPr>
         <p:blipFill>
           <a:blip r:embed="rId2"/>
@@ -3340,8 +5143,8 @@
         </p:blipFill>
         <p:spPr>
           <a:xfrm>
-            <a:off x="3264924" y="2660058"/>
-            <a:ext cx="5662151" cy="2682472"/>
+            <a:off x="1439776" y="2884123"/>
+            <a:ext cx="9312447" cy="1089754"/>
           </a:xfrm>
           <a:prstGeom prst="rect">
             <a:avLst/>
@@ -3351,7 +5154,7 @@
     </p:spTree>
     <p:extLst>
       <p:ext uri="{BB962C8B-B14F-4D97-AF65-F5344CB8AC3E}">
-        <p14:creationId xmlns:p14="http://schemas.microsoft.com/office/powerpoint/2010/main" val="1742601128"/>
+        <p14:creationId xmlns:p14="http://schemas.microsoft.com/office/powerpoint/2010/main" val="2414192175"/>
       </p:ext>
     </p:extLst>
   </p:cSld>
@@ -3394,12 +5197,16 @@
           <a:lstStyle/>
           <a:p>
             <a:r>
+              <a:rPr lang="en-US" dirty="0" smtClean="0"/>
+              <a:t>Now we need to instance </a:t>
+            </a:r>
+            <a:r>
               <a:rPr lang="en-US" dirty="0" err="1" smtClean="0"/>
-              <a:t>Json</a:t>
-            </a:r>
-            <a:r>
-              <a:rPr lang="en-US" dirty="0" smtClean="0"/>
-              <a:t>-server </a:t>
+              <a:t>git</a:t>
+            </a:r>
+            <a:r>
+              <a:rPr lang="en-US" dirty="0" smtClean="0"/>
+              <a:t> in ec2 instance </a:t>
             </a:r>
             <a:endParaRPr lang="en-US" dirty="0"/>
           </a:p>
@@ -3422,33 +5229,26 @@
           <a:p>
             <a:r>
               <a:rPr lang="en-US" dirty="0" err="1"/>
-              <a:t>j</a:t>
-            </a:r>
-            <a:r>
-              <a:rPr lang="en-US" dirty="0" err="1" smtClean="0"/>
-              <a:t>son</a:t>
-            </a:r>
-            <a:r>
-              <a:rPr lang="en-US" dirty="0" smtClean="0"/>
-              <a:t>-sever : it is external modules which help to make </a:t>
-            </a:r>
-            <a:r>
-              <a:rPr lang="en-US" dirty="0" err="1" smtClean="0"/>
-              <a:t>json</a:t>
-            </a:r>
-            <a:r>
-              <a:rPr lang="en-US" dirty="0" smtClean="0"/>
-              <a:t> static file as a server with default port number 3000. </a:t>
-            </a:r>
-          </a:p>
-          <a:p>
-            <a:pPr marL="0" indent="0">
-              <a:buNone/>
-            </a:pPr>
-            <a:r>
-              <a:rPr lang="en-US" dirty="0" smtClean="0"/>
+              <a:t>sudo</a:t>
+            </a:r>
+            <a:r>
+              <a:rPr lang="en-US" dirty="0"/>
+              <a:t> yum install </a:t>
+            </a:r>
+            <a:r>
+              <a:rPr lang="en-US" dirty="0" err="1"/>
+              <a:t>git</a:t>
+            </a:r>
+            <a:r>
+              <a:rPr lang="en-US" dirty="0"/>
               <a:t> </a:t>
             </a:r>
+            <a:r>
+              <a:rPr lang="en-US" dirty="0" smtClean="0"/>
+              <a:t>–y</a:t>
+            </a:r>
+          </a:p>
+          <a:p>
             <a:endParaRPr lang="en-US" dirty="0"/>
           </a:p>
         </p:txBody>
@@ -3469,8 +5269,32 @@
         </p:blipFill>
         <p:spPr>
           <a:xfrm>
-            <a:off x="3078487" y="3443557"/>
-            <a:ext cx="5166808" cy="2446232"/>
+            <a:off x="1022645" y="2385885"/>
+            <a:ext cx="9167654" cy="2270957"/>
+          </a:xfrm>
+          <a:prstGeom prst="rect">
+            <a:avLst/>
+          </a:prstGeom>
+        </p:spPr>
+      </p:pic>
+      <p:pic>
+        <p:nvPicPr>
+          <p:cNvPr id="5" name="Picture 4"/>
+          <p:cNvPicPr>
+            <a:picLocks noChangeAspect="1"/>
+          </p:cNvPicPr>
+          <p:nvPr/>
+        </p:nvPicPr>
+        <p:blipFill>
+          <a:blip r:embed="rId3"/>
+          <a:stretch>
+            <a:fillRect/>
+          </a:stretch>
+        </p:blipFill>
+        <p:spPr>
+          <a:xfrm>
+            <a:off x="1933825" y="5123077"/>
+            <a:ext cx="6218459" cy="1188823"/>
           </a:xfrm>
           <a:prstGeom prst="rect">
             <a:avLst/>
@@ -3480,7 +5304,7 @@
     </p:spTree>
     <p:extLst>
       <p:ext uri="{BB962C8B-B14F-4D97-AF65-F5344CB8AC3E}">
-        <p14:creationId xmlns:p14="http://schemas.microsoft.com/office/powerpoint/2010/main" val="609765183"/>
+        <p14:creationId xmlns:p14="http://schemas.microsoft.com/office/powerpoint/2010/main" val="3512971953"/>
       </p:ext>
     </p:extLst>
   </p:cSld>
@@ -3524,58 +5348,226 @@
           <a:p>
             <a:r>
               <a:rPr lang="en-US" dirty="0" smtClean="0"/>
-              <a:t>Sample </a:t>
+              <a:t>Now we will install the </a:t>
             </a:r>
             <a:r>
               <a:rPr lang="en-US" dirty="0" err="1" smtClean="0"/>
-              <a:t>json</a:t>
-            </a:r>
-            <a:r>
-              <a:rPr lang="en-US" dirty="0" smtClean="0"/>
-              <a:t> file </a:t>
+              <a:t>docker</a:t>
+            </a:r>
+            <a:r>
+              <a:rPr lang="en-US" dirty="0" smtClean="0"/>
+              <a:t> in EC2 instance </a:t>
+            </a:r>
+            <a:endParaRPr lang="en-US" dirty="0"/>
+          </a:p>
+        </p:txBody>
+      </p:sp>
+      <p:sp>
+        <p:nvSpPr>
+          <p:cNvPr id="3" name="Content Placeholder 2"/>
+          <p:cNvSpPr>
+            <a:spLocks noGrp="1"/>
+          </p:cNvSpPr>
+          <p:nvPr>
+            <p:ph idx="1"/>
+          </p:nvPr>
+        </p:nvSpPr>
+        <p:spPr/>
+        <p:txBody>
+          <a:bodyPr/>
+          <a:lstStyle/>
+          <a:p>
+            <a:r>
+              <a:rPr lang="en-US" dirty="0" smtClean="0"/>
+              <a:t>This command is use to install the </a:t>
             </a:r>
             <a:r>
               <a:rPr lang="en-US" dirty="0" err="1" smtClean="0"/>
-              <a:t>bankdb.json</a:t>
+              <a:t>docker</a:t>
             </a:r>
             <a:r>
               <a:rPr lang="en-US" dirty="0" smtClean="0"/>
               <a:t> </a:t>
             </a:r>
+          </a:p>
+          <a:p>
+            <a:pPr lvl="1"/>
+            <a:r>
+              <a:rPr lang="en-US" dirty="0" err="1" smtClean="0"/>
+              <a:t>sudo</a:t>
+            </a:r>
+            <a:r>
+              <a:rPr lang="en-US" dirty="0" smtClean="0"/>
+              <a:t> </a:t>
+            </a:r>
+            <a:r>
+              <a:rPr lang="en-US" dirty="0"/>
+              <a:t>yum -y install </a:t>
+            </a:r>
+            <a:r>
+              <a:rPr lang="en-US" dirty="0" err="1" smtClean="0"/>
+              <a:t>docker</a:t>
+            </a:r>
+            <a:r>
+              <a:rPr lang="en-US" dirty="0" smtClean="0"/>
+              <a:t>		</a:t>
+            </a:r>
             <a:endParaRPr lang="en-US" dirty="0"/>
           </a:p>
-        </p:txBody>
-      </p:sp>
-      <p:pic>
-        <p:nvPicPr>
-          <p:cNvPr id="6" name="Content Placeholder 5"/>
-          <p:cNvPicPr>
-            <a:picLocks noGrp="1" noChangeAspect="1"/>
-          </p:cNvPicPr>
-          <p:nvPr>
-            <p:ph idx="1"/>
-          </p:nvPr>
-        </p:nvPicPr>
-        <p:blipFill>
-          <a:blip r:embed="rId2"/>
-          <a:stretch>
-            <a:fillRect/>
-          </a:stretch>
-        </p:blipFill>
-        <p:spPr>
-          <a:xfrm>
-            <a:off x="1403928" y="1825625"/>
-            <a:ext cx="7487940" cy="4351338"/>
-          </a:xfrm>
-          <a:prstGeom prst="rect">
-            <a:avLst/>
-          </a:prstGeom>
-        </p:spPr>
-      </p:pic>
+          <a:p>
+            <a:r>
+              <a:rPr lang="en-US" dirty="0" smtClean="0"/>
+              <a:t>This command is use to start the </a:t>
+            </a:r>
+            <a:r>
+              <a:rPr lang="en-US" dirty="0" err="1" smtClean="0"/>
+              <a:t>docker</a:t>
+            </a:r>
+            <a:r>
+              <a:rPr lang="en-US" dirty="0" smtClean="0"/>
+              <a:t> </a:t>
+            </a:r>
+          </a:p>
+          <a:p>
+            <a:pPr lvl="1"/>
+            <a:r>
+              <a:rPr lang="en-US" dirty="0" err="1" smtClean="0"/>
+              <a:t>sudo</a:t>
+            </a:r>
+            <a:r>
+              <a:rPr lang="en-US" dirty="0" smtClean="0"/>
+              <a:t> </a:t>
+            </a:r>
+            <a:r>
+              <a:rPr lang="en-US" dirty="0"/>
+              <a:t>service </a:t>
+            </a:r>
+            <a:r>
+              <a:rPr lang="en-US" dirty="0" err="1"/>
+              <a:t>docker</a:t>
+            </a:r>
+            <a:r>
+              <a:rPr lang="en-US" dirty="0"/>
+              <a:t> </a:t>
+            </a:r>
+            <a:r>
+              <a:rPr lang="en-US" dirty="0" smtClean="0"/>
+              <a:t>start</a:t>
+            </a:r>
+            <a:endParaRPr lang="en-US" dirty="0"/>
+          </a:p>
+          <a:p>
+            <a:r>
+              <a:rPr lang="en-US" dirty="0" smtClean="0"/>
+              <a:t>This command is use to verify </a:t>
+            </a:r>
+            <a:r>
+              <a:rPr lang="en-US" dirty="0" err="1" smtClean="0"/>
+              <a:t>docker</a:t>
+            </a:r>
+            <a:r>
+              <a:rPr lang="en-US" dirty="0" smtClean="0"/>
+              <a:t> details </a:t>
+            </a:r>
+          </a:p>
+          <a:p>
+            <a:pPr lvl="1"/>
+            <a:r>
+              <a:rPr lang="en-US" dirty="0" err="1"/>
+              <a:t>s</a:t>
+            </a:r>
+            <a:r>
+              <a:rPr lang="en-US" dirty="0" err="1" smtClean="0"/>
+              <a:t>udo</a:t>
+            </a:r>
+            <a:r>
+              <a:rPr lang="en-US" dirty="0" smtClean="0"/>
+              <a:t> </a:t>
+            </a:r>
+            <a:r>
+              <a:rPr lang="en-US" dirty="0" err="1" smtClean="0"/>
+              <a:t>docker</a:t>
+            </a:r>
+            <a:r>
+              <a:rPr lang="en-US" dirty="0" smtClean="0"/>
+              <a:t> info </a:t>
+            </a:r>
+          </a:p>
+          <a:p>
+            <a:r>
+              <a:rPr lang="en-US" dirty="0" smtClean="0"/>
+              <a:t>This command is use to verify </a:t>
+            </a:r>
+            <a:r>
+              <a:rPr lang="en-US" dirty="0" err="1" smtClean="0"/>
+              <a:t>docker</a:t>
+            </a:r>
+            <a:r>
+              <a:rPr lang="en-US" dirty="0" smtClean="0"/>
+              <a:t> version and </a:t>
+            </a:r>
+            <a:r>
+              <a:rPr lang="en-US" dirty="0" err="1" smtClean="0"/>
+              <a:t>docker</a:t>
+            </a:r>
+            <a:r>
+              <a:rPr lang="en-US" dirty="0" smtClean="0"/>
+              <a:t> images </a:t>
+            </a:r>
+          </a:p>
+          <a:p>
+            <a:pPr lvl="1"/>
+            <a:r>
+              <a:rPr lang="en-US" dirty="0" err="1"/>
+              <a:t>s</a:t>
+            </a:r>
+            <a:r>
+              <a:rPr lang="en-US" dirty="0" err="1" smtClean="0"/>
+              <a:t>udo</a:t>
+            </a:r>
+            <a:r>
+              <a:rPr lang="en-US" dirty="0" smtClean="0"/>
+              <a:t> </a:t>
+            </a:r>
+            <a:r>
+              <a:rPr lang="en-US" dirty="0" err="1" smtClean="0"/>
+              <a:t>doker</a:t>
+            </a:r>
+            <a:r>
+              <a:rPr lang="en-US" dirty="0" smtClean="0"/>
+              <a:t> –version </a:t>
+            </a:r>
+          </a:p>
+          <a:p>
+            <a:pPr lvl="1"/>
+            <a:r>
+              <a:rPr lang="en-US" dirty="0" err="1"/>
+              <a:t>s</a:t>
+            </a:r>
+            <a:r>
+              <a:rPr lang="en-US" dirty="0" err="1" smtClean="0"/>
+              <a:t>udo</a:t>
+            </a:r>
+            <a:r>
+              <a:rPr lang="en-US" dirty="0" smtClean="0"/>
+              <a:t> </a:t>
+            </a:r>
+            <a:r>
+              <a:rPr lang="en-US" dirty="0" err="1" smtClean="0"/>
+              <a:t>docker</a:t>
+            </a:r>
+            <a:r>
+              <a:rPr lang="en-US" dirty="0" smtClean="0"/>
+              <a:t> images </a:t>
+            </a:r>
+            <a:endParaRPr lang="en-US" dirty="0"/>
+          </a:p>
+        </p:txBody>
+      </p:sp>
     </p:spTree>
     <p:extLst>
       <p:ext uri="{BB962C8B-B14F-4D97-AF65-F5344CB8AC3E}">
-        <p14:creationId xmlns:p14="http://schemas.microsoft.com/office/powerpoint/2010/main" val="2420966040"/>
+        <p14:creationId xmlns:p14="http://schemas.microsoft.com/office/powerpoint/2010/main" val="4135205784"/>
       </p:ext>
     </p:extLst>
   </p:cSld>
@@ -3602,54 +5594,13 @@
           <a:chExt cx="0" cy="0"/>
         </a:xfrm>
       </p:grpSpPr>
-      <p:sp>
-        <p:nvSpPr>
-          <p:cNvPr id="2" name="Title 1"/>
-          <p:cNvSpPr>
-            <a:spLocks noGrp="1"/>
-          </p:cNvSpPr>
-          <p:nvPr>
-            <p:ph type="title"/>
-          </p:nvPr>
-        </p:nvSpPr>
-        <p:spPr/>
-        <p:txBody>
-          <a:bodyPr/>
-          <a:lstStyle/>
-          <a:p>
-            <a:r>
-              <a:rPr lang="en-US" dirty="0" smtClean="0"/>
-              <a:t>After running </a:t>
-            </a:r>
-            <a:r>
-              <a:rPr lang="en-US" dirty="0" err="1" smtClean="0"/>
-              <a:t>json</a:t>
-            </a:r>
-            <a:r>
-              <a:rPr lang="en-US" dirty="0" smtClean="0"/>
-              <a:t> file using </a:t>
-            </a:r>
-            <a:r>
-              <a:rPr lang="en-US" dirty="0" err="1" smtClean="0"/>
-              <a:t>json</a:t>
-            </a:r>
-            <a:r>
-              <a:rPr lang="en-US" dirty="0" smtClean="0"/>
-              <a:t>-server </a:t>
-            </a:r>
-            <a:endParaRPr lang="en-US" dirty="0"/>
-          </a:p>
-        </p:txBody>
-      </p:sp>
       <p:pic>
         <p:nvPicPr>
-          <p:cNvPr id="4" name="Content Placeholder 3"/>
+          <p:cNvPr id="2" name="Picture 1"/>
           <p:cNvPicPr>
-            <a:picLocks noGrp="1" noChangeAspect="1"/>
+            <a:picLocks noChangeAspect="1"/>
           </p:cNvPicPr>
-          <p:nvPr>
-            <p:ph idx="1"/>
-          </p:nvPr>
+          <p:nvPr/>
         </p:nvPicPr>
         <p:blipFill>
           <a:blip r:embed="rId2"/>
@@ -3659,8 +5610,8 @@
         </p:blipFill>
         <p:spPr>
           <a:xfrm>
-            <a:off x="838200" y="2389312"/>
-            <a:ext cx="10515600" cy="3223964"/>
+            <a:off x="1093036" y="426460"/>
+            <a:ext cx="10005927" cy="6005080"/>
           </a:xfrm>
           <a:prstGeom prst="rect">
             <a:avLst/>
@@ -3670,7 +5621,7 @@
     </p:spTree>
     <p:extLst>
       <p:ext uri="{BB962C8B-B14F-4D97-AF65-F5344CB8AC3E}">
-        <p14:creationId xmlns:p14="http://schemas.microsoft.com/office/powerpoint/2010/main" val="2819882296"/>
+        <p14:creationId xmlns:p14="http://schemas.microsoft.com/office/powerpoint/2010/main" val="2305312489"/>
       </p:ext>
     </p:extLst>
   </p:cSld>
@@ -3697,38 +5648,13 @@
           <a:chExt cx="0" cy="0"/>
         </a:xfrm>
       </p:grpSpPr>
-      <p:sp>
-        <p:nvSpPr>
-          <p:cNvPr id="2" name="Title 1"/>
-          <p:cNvSpPr>
-            <a:spLocks noGrp="1"/>
-          </p:cNvSpPr>
-          <p:nvPr>
-            <p:ph type="title"/>
-          </p:nvPr>
-        </p:nvSpPr>
-        <p:spPr/>
-        <p:txBody>
-          <a:bodyPr/>
-          <a:lstStyle/>
-          <a:p>
-            <a:r>
-              <a:rPr lang="en-US" dirty="0" smtClean="0"/>
-              <a:t>Verifying browser </a:t>
-            </a:r>
-            <a:endParaRPr lang="en-US" dirty="0"/>
-          </a:p>
-        </p:txBody>
-      </p:sp>
       <p:pic>
         <p:nvPicPr>
-          <p:cNvPr id="4" name="Content Placeholder 3"/>
+          <p:cNvPr id="2" name="Picture 1"/>
           <p:cNvPicPr>
-            <a:picLocks noGrp="1" noChangeAspect="1"/>
+            <a:picLocks noChangeAspect="1"/>
           </p:cNvPicPr>
-          <p:nvPr>
-            <p:ph idx="1"/>
-          </p:nvPr>
+          <p:nvPr/>
         </p:nvPicPr>
         <p:blipFill>
           <a:blip r:embed="rId2"/>
@@ -3738,8 +5664,8 @@
         </p:blipFill>
         <p:spPr>
           <a:xfrm>
-            <a:off x="2868650" y="2240921"/>
-            <a:ext cx="6454699" cy="3520745"/>
+            <a:off x="2830547" y="2621210"/>
+            <a:ext cx="6530906" cy="1615580"/>
           </a:xfrm>
           <a:prstGeom prst="rect">
             <a:avLst/>
@@ -3749,7 +5675,177 @@
     </p:spTree>
     <p:extLst>
       <p:ext uri="{BB962C8B-B14F-4D97-AF65-F5344CB8AC3E}">
-        <p14:creationId xmlns:p14="http://schemas.microsoft.com/office/powerpoint/2010/main" val="3739818708"/>
+        <p14:creationId xmlns:p14="http://schemas.microsoft.com/office/powerpoint/2010/main" val="2556809339"/>
+      </p:ext>
+    </p:extLst>
+  </p:cSld>
+  <p:clrMapOvr>
+    <a:masterClrMapping/>
+  </p:clrMapOvr>
+</p:sld>
+</file>
+
+<file path=ppt/slides/slide9.xml><?xml version="1.0" encoding="utf-8"?>
+<p:sld xmlns:a="http://schemas.openxmlformats.org/drawingml/2006/main" xmlns:r="http://schemas.openxmlformats.org/officeDocument/2006/relationships" xmlns:p="http://schemas.openxmlformats.org/presentationml/2006/main">
+  <p:cSld>
+    <p:spTree>
+      <p:nvGrpSpPr>
+        <p:cNvPr id="1" name=""/>
+        <p:cNvGrpSpPr/>
+        <p:nvPr/>
+      </p:nvGrpSpPr>
+      <p:grpSpPr>
+        <a:xfrm>
+          <a:off x="0" y="0"/>
+          <a:ext cx="0" cy="0"/>
+          <a:chOff x="0" y="0"/>
+          <a:chExt cx="0" cy="0"/>
+        </a:xfrm>
+      </p:grpSpPr>
+      <p:sp>
+        <p:nvSpPr>
+          <p:cNvPr id="2" name="Title 1"/>
+          <p:cNvSpPr>
+            <a:spLocks noGrp="1"/>
+          </p:cNvSpPr>
+          <p:nvPr>
+            <p:ph type="title"/>
+          </p:nvPr>
+        </p:nvSpPr>
+        <p:spPr/>
+        <p:txBody>
+          <a:bodyPr/>
+          <a:lstStyle/>
+          <a:p>
+            <a:r>
+              <a:rPr lang="en-US" dirty="0" smtClean="0"/>
+              <a:t>We need to install </a:t>
+            </a:r>
+            <a:r>
+              <a:rPr lang="en-US" dirty="0" err="1" smtClean="0"/>
+              <a:t>docker</a:t>
+            </a:r>
+            <a:r>
+              <a:rPr lang="en-US" dirty="0" smtClean="0"/>
+              <a:t>-compose </a:t>
+            </a:r>
+            <a:endParaRPr lang="en-US" dirty="0"/>
+          </a:p>
+        </p:txBody>
+      </p:sp>
+      <p:sp>
+        <p:nvSpPr>
+          <p:cNvPr id="3" name="Content Placeholder 2"/>
+          <p:cNvSpPr>
+            <a:spLocks noGrp="1"/>
+          </p:cNvSpPr>
+          <p:nvPr>
+            <p:ph idx="1"/>
+          </p:nvPr>
+        </p:nvSpPr>
+        <p:spPr/>
+        <p:txBody>
+          <a:bodyPr/>
+          <a:lstStyle/>
+          <a:p>
+            <a:r>
+              <a:rPr lang="en-US" dirty="0" smtClean="0"/>
+              <a:t>Because in EC2 instance by default </a:t>
+            </a:r>
+            <a:r>
+              <a:rPr lang="en-US" dirty="0" err="1" smtClean="0"/>
+              <a:t>docker</a:t>
+            </a:r>
+            <a:r>
+              <a:rPr lang="en-US" dirty="0" smtClean="0"/>
+              <a:t>-compose command not available</a:t>
+            </a:r>
+          </a:p>
+          <a:p>
+            <a:r>
+              <a:rPr lang="en-US" dirty="0" smtClean="0"/>
+              <a:t>Below 2 command execute  </a:t>
+            </a:r>
+          </a:p>
+          <a:p>
+            <a:pPr lvl="1"/>
+            <a:r>
+              <a:rPr lang="pt-BR" dirty="0"/>
+              <a:t>sudo curl -L "https://github.com/docker/compose/releases/download/1.29.2/docker-compose-$(uname -s)-$(uname -m)" -o /</a:t>
+            </a:r>
+            <a:r>
+              <a:rPr lang="pt-BR" dirty="0" smtClean="0"/>
+              <a:t>usr/local/bin/docker-compose</a:t>
+            </a:r>
+          </a:p>
+          <a:p>
+            <a:pPr lvl="1"/>
+            <a:r>
+              <a:rPr lang="en-US" dirty="0" err="1"/>
+              <a:t>sudo</a:t>
+            </a:r>
+            <a:r>
+              <a:rPr lang="en-US" dirty="0"/>
+              <a:t> </a:t>
+            </a:r>
+            <a:r>
+              <a:rPr lang="en-US" dirty="0" err="1"/>
+              <a:t>chmod</a:t>
+            </a:r>
+            <a:r>
+              <a:rPr lang="en-US" dirty="0"/>
+              <a:t> +x /</a:t>
+            </a:r>
+            <a:r>
+              <a:rPr lang="en-US" dirty="0" err="1" smtClean="0"/>
+              <a:t>usr</a:t>
+            </a:r>
+            <a:r>
+              <a:rPr lang="en-US" dirty="0" smtClean="0"/>
+              <a:t>/local/bin/</a:t>
+            </a:r>
+            <a:r>
+              <a:rPr lang="en-US" dirty="0" err="1" smtClean="0"/>
+              <a:t>docker</a:t>
+            </a:r>
+            <a:r>
+              <a:rPr lang="en-US" dirty="0" smtClean="0"/>
+              <a:t>-compose</a:t>
+            </a:r>
+          </a:p>
+          <a:p>
+            <a:endParaRPr lang="en-US" dirty="0"/>
+          </a:p>
+        </p:txBody>
+      </p:sp>
+      <p:pic>
+        <p:nvPicPr>
+          <p:cNvPr id="4" name="Picture 3"/>
+          <p:cNvPicPr>
+            <a:picLocks noChangeAspect="1"/>
+          </p:cNvPicPr>
+          <p:nvPr/>
+        </p:nvPicPr>
+        <p:blipFill>
+          <a:blip r:embed="rId2"/>
+          <a:stretch>
+            <a:fillRect/>
+          </a:stretch>
+        </p:blipFill>
+        <p:spPr>
+          <a:xfrm>
+            <a:off x="4653921" y="5050521"/>
+            <a:ext cx="6523285" cy="876376"/>
+          </a:xfrm>
+          <a:prstGeom prst="rect">
+            <a:avLst/>
+          </a:prstGeom>
+        </p:spPr>
+      </p:pic>
+    </p:spTree>
+    <p:extLst>
+      <p:ext uri="{BB962C8B-B14F-4D97-AF65-F5344CB8AC3E}">
+        <p14:creationId xmlns:p14="http://schemas.microsoft.com/office/powerpoint/2010/main" val="1619234083"/>
       </p:ext>
     </p:extLst>
   </p:cSld>
